--- a/05_Mineria_De_Datos/ProyectoFinal/Proyecto Mineria de Datos.pptx
+++ b/05_Mineria_De_Datos/ProyectoFinal/Proyecto Mineria de Datos.pptx
@@ -24,7 +24,7 @@
     <p:sldId id="268" r:id="rId15"/>
     <p:sldId id="269" r:id="rId16"/>
     <p:sldId id="270" r:id="rId17"/>
-    <p:sldId id="271" r:id="rId18"/>
+    <p:sldId id="275" r:id="rId18"/>
     <p:sldId id="272" r:id="rId19"/>
     <p:sldId id="273" r:id="rId20"/>
     <p:sldId id="274" r:id="rId21"/>
@@ -261,11 +261,378 @@
     </a:lvl9pPr>
   </p:defaultTextStyle>
   <p:extLst>
+    <p:ext uri="{EFAFB233-063F-42B5-8137-9DF3F51BA10A}">
+      <p15:sldGuideLst xmlns:p15="http://schemas.microsoft.com/office/powerpoint/2012/main"/>
+    </p:ext>
     <p:ext uri="http://customooxmlschemas.google.com/">
-      <go:slidesCustomData xmlns:go="http://customooxmlschemas.google.com/" xmlns:p15="http://schemas.microsoft.com/office/powerpoint/2012/main" xmlns:p14="http://schemas.microsoft.com/office/powerpoint/2010/main" xmlns:com="http://schemas.openxmlformats.org/drawingml/2006/compatibility" xmlns:pvml="urn:schemas-microsoft-com:office:powerpoint" xmlns:v="urn:schemas-microsoft-com:vml" xmlns:o="urn:schemas-microsoft-com:office:office" xmlns:dgm="http://schemas.openxmlformats.org/drawingml/2006/diagram" xmlns:c="http://schemas.openxmlformats.org/drawingml/2006/chart" xmlns:mv="urn:schemas-microsoft-com:mac:vml" xmlns:mc="http://schemas.openxmlformats.org/markup-compatibility/2006" xmlns="" r:id="rId23" roundtripDataSignature="AMtx7mjx0UdlmdacI7Fe/GkP4WwI2BgW2Q=="/>
+      <go:slidesCustomData xmlns="" xmlns:mc="http://schemas.openxmlformats.org/markup-compatibility/2006" xmlns:mv="urn:schemas-microsoft-com:mac:vml" xmlns:c="http://schemas.openxmlformats.org/drawingml/2006/chart" xmlns:dgm="http://schemas.openxmlformats.org/drawingml/2006/diagram" xmlns:o="urn:schemas-microsoft-com:office:office" xmlns:v="urn:schemas-microsoft-com:vml" xmlns:pvml="urn:schemas-microsoft-com:office:powerpoint" xmlns:com="http://schemas.openxmlformats.org/drawingml/2006/compatibility" xmlns:p14="http://schemas.microsoft.com/office/powerpoint/2010/main" xmlns:p15="http://schemas.microsoft.com/office/powerpoint/2012/main" xmlns:go="http://customooxmlschemas.google.com/" r:id="rId23" roundtripDataSignature="AMtx7mjx0UdlmdacI7Fe/GkP4WwI2BgW2Q=="/>
     </p:ext>
   </p:extLst>
 </p:presentation>
+</file>
+
+<file path=ppt/revisionInfo.xml><?xml version="1.0" encoding="utf-8"?>
+<p1510:revInfo xmlns:a="http://schemas.openxmlformats.org/drawingml/2006/main" xmlns:r="http://schemas.openxmlformats.org/officeDocument/2006/relationships" xmlns:p1510="http://schemas.microsoft.com/office/powerpoint/2015/10/main">
+  <p1510:revLst>
+    <p1510:client id="{37B865AB-2315-43C0-AD4C-16E4559F7C7A}" v="27" dt="2020-06-01T03:22:54.189"/>
+  </p1510:revLst>
+</p1510:revInfo>
+</file>
+
+<file path=ppt/changesInfos/changesInfo1.xml><?xml version="1.0" encoding="utf-8"?>
+<pc:chgInfo xmlns:a="http://schemas.openxmlformats.org/drawingml/2006/main" xmlns:r="http://schemas.openxmlformats.org/officeDocument/2006/relationships" xmlns:ac="http://schemas.microsoft.com/office/drawing/2013/main/command" xmlns:pc="http://schemas.microsoft.com/office/powerpoint/2013/main/command">
+  <pc:docChgLst>
+    <pc:chgData name="Jose Aguilar" userId="4edcd7cbe4616803" providerId="LiveId" clId="{37B865AB-2315-43C0-AD4C-16E4559F7C7A}"/>
+    <pc:docChg chg="undo custSel addSld delSld modSld">
+      <pc:chgData name="Jose Aguilar" userId="4edcd7cbe4616803" providerId="LiveId" clId="{37B865AB-2315-43C0-AD4C-16E4559F7C7A}" dt="2020-06-01T03:26:10.993" v="1294" actId="478"/>
+      <pc:docMkLst>
+        <pc:docMk/>
+      </pc:docMkLst>
+      <pc:sldChg chg="delSp modSp mod">
+        <pc:chgData name="Jose Aguilar" userId="4edcd7cbe4616803" providerId="LiveId" clId="{37B865AB-2315-43C0-AD4C-16E4559F7C7A}" dt="2020-06-01T03:26:10.993" v="1294" actId="478"/>
+        <pc:sldMkLst>
+          <pc:docMk/>
+          <pc:sldMk cId="0" sldId="260"/>
+        </pc:sldMkLst>
+        <pc:spChg chg="mod">
+          <ac:chgData name="Jose Aguilar" userId="4edcd7cbe4616803" providerId="LiveId" clId="{37B865AB-2315-43C0-AD4C-16E4559F7C7A}" dt="2020-06-01T02:37:14.379" v="0" actId="6549"/>
+          <ac:spMkLst>
+            <pc:docMk/>
+            <pc:sldMk cId="0" sldId="260"/>
+            <ac:spMk id="165" creationId="{00000000-0000-0000-0000-000000000000}"/>
+          </ac:spMkLst>
+        </pc:spChg>
+        <pc:spChg chg="del">
+          <ac:chgData name="Jose Aguilar" userId="4edcd7cbe4616803" providerId="LiveId" clId="{37B865AB-2315-43C0-AD4C-16E4559F7C7A}" dt="2020-06-01T03:26:10.993" v="1294" actId="478"/>
+          <ac:spMkLst>
+            <pc:docMk/>
+            <pc:sldMk cId="0" sldId="260"/>
+            <ac:spMk id="166" creationId="{00000000-0000-0000-0000-000000000000}"/>
+          </ac:spMkLst>
+        </pc:spChg>
+      </pc:sldChg>
+      <pc:sldChg chg="modSp mod">
+        <pc:chgData name="Jose Aguilar" userId="4edcd7cbe4616803" providerId="LiveId" clId="{37B865AB-2315-43C0-AD4C-16E4559F7C7A}" dt="2020-06-01T02:52:15.351" v="271" actId="20577"/>
+        <pc:sldMkLst>
+          <pc:docMk/>
+          <pc:sldMk cId="0" sldId="261"/>
+        </pc:sldMkLst>
+        <pc:spChg chg="mod">
+          <ac:chgData name="Jose Aguilar" userId="4edcd7cbe4616803" providerId="LiveId" clId="{37B865AB-2315-43C0-AD4C-16E4559F7C7A}" dt="2020-06-01T02:52:15.351" v="271" actId="20577"/>
+          <ac:spMkLst>
+            <pc:docMk/>
+            <pc:sldMk cId="0" sldId="261"/>
+            <ac:spMk id="175" creationId="{00000000-0000-0000-0000-000000000000}"/>
+          </ac:spMkLst>
+        </pc:spChg>
+      </pc:sldChg>
+      <pc:sldChg chg="modNotesTx">
+        <pc:chgData name="Jose Aguilar" userId="4edcd7cbe4616803" providerId="LiveId" clId="{37B865AB-2315-43C0-AD4C-16E4559F7C7A}" dt="2020-06-01T03:10:11.347" v="1170" actId="20577"/>
+        <pc:sldMkLst>
+          <pc:docMk/>
+          <pc:sldMk cId="0" sldId="263"/>
+        </pc:sldMkLst>
+      </pc:sldChg>
+      <pc:sldChg chg="addSp delSp modSp mod modNotesTx">
+        <pc:chgData name="Jose Aguilar" userId="4edcd7cbe4616803" providerId="LiveId" clId="{37B865AB-2315-43C0-AD4C-16E4559F7C7A}" dt="2020-06-01T03:11:16.593" v="1277" actId="20577"/>
+        <pc:sldMkLst>
+          <pc:docMk/>
+          <pc:sldMk cId="0" sldId="264"/>
+        </pc:sldMkLst>
+        <pc:spChg chg="add mod">
+          <ac:chgData name="Jose Aguilar" userId="4edcd7cbe4616803" providerId="LiveId" clId="{37B865AB-2315-43C0-AD4C-16E4559F7C7A}" dt="2020-06-01T02:53:59.118" v="304" actId="1076"/>
+          <ac:spMkLst>
+            <pc:docMk/>
+            <pc:sldMk cId="0" sldId="264"/>
+            <ac:spMk id="2" creationId="{9330DEF0-E1A3-4401-BA74-ABFE98CAD3B7}"/>
+          </ac:spMkLst>
+        </pc:spChg>
+        <pc:spChg chg="add del mod">
+          <ac:chgData name="Jose Aguilar" userId="4edcd7cbe4616803" providerId="LiveId" clId="{37B865AB-2315-43C0-AD4C-16E4559F7C7A}" dt="2020-06-01T02:53:09.684" v="278" actId="21"/>
+          <ac:spMkLst>
+            <pc:docMk/>
+            <pc:sldMk cId="0" sldId="264"/>
+            <ac:spMk id="6" creationId="{C1D7E88F-6224-4A08-9C97-93A2F1B41F77}"/>
+          </ac:spMkLst>
+        </pc:spChg>
+        <pc:spChg chg="mod">
+          <ac:chgData name="Jose Aguilar" userId="4edcd7cbe4616803" providerId="LiveId" clId="{37B865AB-2315-43C0-AD4C-16E4559F7C7A}" dt="2020-06-01T02:53:37.894" v="295" actId="6549"/>
+          <ac:spMkLst>
+            <pc:docMk/>
+            <pc:sldMk cId="0" sldId="264"/>
+            <ac:spMk id="200" creationId="{00000000-0000-0000-0000-000000000000}"/>
+          </ac:spMkLst>
+        </pc:spChg>
+        <pc:graphicFrameChg chg="modGraphic">
+          <ac:chgData name="Jose Aguilar" userId="4edcd7cbe4616803" providerId="LiveId" clId="{37B865AB-2315-43C0-AD4C-16E4559F7C7A}" dt="2020-06-01T02:54:19.303" v="308" actId="14734"/>
+          <ac:graphicFrameMkLst>
+            <pc:docMk/>
+            <pc:sldMk cId="0" sldId="264"/>
+            <ac:graphicFrameMk id="199" creationId="{00000000-0000-0000-0000-000000000000}"/>
+          </ac:graphicFrameMkLst>
+        </pc:graphicFrameChg>
+        <pc:picChg chg="add mod">
+          <ac:chgData name="Jose Aguilar" userId="4edcd7cbe4616803" providerId="LiveId" clId="{37B865AB-2315-43C0-AD4C-16E4559F7C7A}" dt="2020-06-01T02:53:41.668" v="296" actId="1076"/>
+          <ac:picMkLst>
+            <pc:docMk/>
+            <pc:sldMk cId="0" sldId="264"/>
+            <ac:picMk id="9" creationId="{CFF11380-5AD4-4EBC-B9B5-D10D1F5F1353}"/>
+          </ac:picMkLst>
+        </pc:picChg>
+      </pc:sldChg>
+      <pc:sldChg chg="addSp delSp modSp mod">
+        <pc:chgData name="Jose Aguilar" userId="4edcd7cbe4616803" providerId="LiveId" clId="{37B865AB-2315-43C0-AD4C-16E4559F7C7A}" dt="2020-06-01T02:53:10.942" v="279"/>
+        <pc:sldMkLst>
+          <pc:docMk/>
+          <pc:sldMk cId="0" sldId="265"/>
+        </pc:sldMkLst>
+        <pc:spChg chg="add mod">
+          <ac:chgData name="Jose Aguilar" userId="4edcd7cbe4616803" providerId="LiveId" clId="{37B865AB-2315-43C0-AD4C-16E4559F7C7A}" dt="2020-06-01T02:53:10.942" v="279"/>
+          <ac:spMkLst>
+            <pc:docMk/>
+            <pc:sldMk cId="0" sldId="265"/>
+            <ac:spMk id="11" creationId="{3333AD07-530B-4DF4-9F09-31D64B2CCC2B}"/>
+          </ac:spMkLst>
+        </pc:spChg>
+        <pc:picChg chg="add del mod">
+          <ac:chgData name="Jose Aguilar" userId="4edcd7cbe4616803" providerId="LiveId" clId="{37B865AB-2315-43C0-AD4C-16E4559F7C7A}" dt="2020-06-01T02:53:05.239" v="276" actId="21"/>
+          <ac:picMkLst>
+            <pc:docMk/>
+            <pc:sldMk cId="0" sldId="265"/>
+            <ac:picMk id="2" creationId="{FCC479DF-9FE8-4403-BF03-586A2455B73A}"/>
+          </ac:picMkLst>
+        </pc:picChg>
+      </pc:sldChg>
+      <pc:sldChg chg="addSp delSp modSp mod modNotesTx">
+        <pc:chgData name="Jose Aguilar" userId="4edcd7cbe4616803" providerId="LiveId" clId="{37B865AB-2315-43C0-AD4C-16E4559F7C7A}" dt="2020-06-01T02:43:40.938" v="214" actId="20577"/>
+        <pc:sldMkLst>
+          <pc:docMk/>
+          <pc:sldMk cId="0" sldId="266"/>
+        </pc:sldMkLst>
+        <pc:spChg chg="add mod">
+          <ac:chgData name="Jose Aguilar" userId="4edcd7cbe4616803" providerId="LiveId" clId="{37B865AB-2315-43C0-AD4C-16E4559F7C7A}" dt="2020-06-01T02:42:26.480" v="171" actId="20577"/>
+          <ac:spMkLst>
+            <pc:docMk/>
+            <pc:sldMk cId="0" sldId="266"/>
+            <ac:spMk id="6" creationId="{57A0EB90-A1BF-4D63-8D93-FCCFE7E7C37E}"/>
+          </ac:spMkLst>
+        </pc:spChg>
+        <pc:spChg chg="add mod">
+          <ac:chgData name="Jose Aguilar" userId="4edcd7cbe4616803" providerId="LiveId" clId="{37B865AB-2315-43C0-AD4C-16E4559F7C7A}" dt="2020-06-01T02:43:02.427" v="182" actId="207"/>
+          <ac:spMkLst>
+            <pc:docMk/>
+            <pc:sldMk cId="0" sldId="266"/>
+            <ac:spMk id="7" creationId="{ECA4A4A7-93B2-420F-964A-E76A9499E5E2}"/>
+          </ac:spMkLst>
+        </pc:spChg>
+        <pc:spChg chg="add mod">
+          <ac:chgData name="Jose Aguilar" userId="4edcd7cbe4616803" providerId="LiveId" clId="{37B865AB-2315-43C0-AD4C-16E4559F7C7A}" dt="2020-06-01T02:42:39.840" v="178" actId="1076"/>
+          <ac:spMkLst>
+            <pc:docMk/>
+            <pc:sldMk cId="0" sldId="266"/>
+            <ac:spMk id="10" creationId="{64A22623-6AA4-44B4-9528-7B53041A540B}"/>
+          </ac:spMkLst>
+        </pc:spChg>
+        <pc:spChg chg="add mod">
+          <ac:chgData name="Jose Aguilar" userId="4edcd7cbe4616803" providerId="LiveId" clId="{37B865AB-2315-43C0-AD4C-16E4559F7C7A}" dt="2020-06-01T02:43:14.446" v="186" actId="1076"/>
+          <ac:spMkLst>
+            <pc:docMk/>
+            <pc:sldMk cId="0" sldId="266"/>
+            <ac:spMk id="12" creationId="{BEA5A653-C3D4-496B-8ABE-13DBFF6634C9}"/>
+          </ac:spMkLst>
+        </pc:spChg>
+        <pc:spChg chg="add mod">
+          <ac:chgData name="Jose Aguilar" userId="4edcd7cbe4616803" providerId="LiveId" clId="{37B865AB-2315-43C0-AD4C-16E4559F7C7A}" dt="2020-06-01T02:43:26.556" v="188" actId="1076"/>
+          <ac:spMkLst>
+            <pc:docMk/>
+            <pc:sldMk cId="0" sldId="266"/>
+            <ac:spMk id="13" creationId="{A74E34B2-7F33-4FE1-A940-B5C37656339D}"/>
+          </ac:spMkLst>
+        </pc:spChg>
+        <pc:picChg chg="mod">
+          <ac:chgData name="Jose Aguilar" userId="4edcd7cbe4616803" providerId="LiveId" clId="{37B865AB-2315-43C0-AD4C-16E4559F7C7A}" dt="2020-06-01T02:42:07.225" v="159" actId="1076"/>
+          <ac:picMkLst>
+            <pc:docMk/>
+            <pc:sldMk cId="0" sldId="266"/>
+            <ac:picMk id="9" creationId="{3A7E2C5D-CEA1-4161-BED1-279CB562659C}"/>
+          </ac:picMkLst>
+        </pc:picChg>
+        <pc:picChg chg="add del mod">
+          <ac:chgData name="Jose Aguilar" userId="4edcd7cbe4616803" providerId="LiveId" clId="{37B865AB-2315-43C0-AD4C-16E4559F7C7A}" dt="2020-06-01T02:41:57.921" v="156"/>
+          <ac:picMkLst>
+            <pc:docMk/>
+            <pc:sldMk cId="0" sldId="266"/>
+            <ac:picMk id="1026" creationId="{E19B63C2-3645-4D7B-B521-D268815250B7}"/>
+          </ac:picMkLst>
+        </pc:picChg>
+        <pc:picChg chg="add mod">
+          <ac:chgData name="Jose Aguilar" userId="4edcd7cbe4616803" providerId="LiveId" clId="{37B865AB-2315-43C0-AD4C-16E4559F7C7A}" dt="2020-06-01T02:43:07.609" v="185" actId="1076"/>
+          <ac:picMkLst>
+            <pc:docMk/>
+            <pc:sldMk cId="0" sldId="266"/>
+            <ac:picMk id="1028" creationId="{37BDC187-875A-4177-B76F-FA159C4E5B01}"/>
+          </ac:picMkLst>
+        </pc:picChg>
+      </pc:sldChg>
+      <pc:sldChg chg="addSp modSp mod">
+        <pc:chgData name="Jose Aguilar" userId="4edcd7cbe4616803" providerId="LiveId" clId="{37B865AB-2315-43C0-AD4C-16E4559F7C7A}" dt="2020-06-01T03:23:32.063" v="1293" actId="1076"/>
+        <pc:sldMkLst>
+          <pc:docMk/>
+          <pc:sldMk cId="3944897247" sldId="267"/>
+        </pc:sldMkLst>
+        <pc:spChg chg="mod">
+          <ac:chgData name="Jose Aguilar" userId="4edcd7cbe4616803" providerId="LiveId" clId="{37B865AB-2315-43C0-AD4C-16E4559F7C7A}" dt="2020-06-01T03:23:16.642" v="1290" actId="20577"/>
+          <ac:spMkLst>
+            <pc:docMk/>
+            <pc:sldMk cId="3944897247" sldId="267"/>
+            <ac:spMk id="3" creationId="{557DC13B-35E4-4B45-B572-C14271CFF44B}"/>
+          </ac:spMkLst>
+        </pc:spChg>
+        <pc:picChg chg="add mod">
+          <ac:chgData name="Jose Aguilar" userId="4edcd7cbe4616803" providerId="LiveId" clId="{37B865AB-2315-43C0-AD4C-16E4559F7C7A}" dt="2020-06-01T03:23:32.063" v="1293" actId="1076"/>
+          <ac:picMkLst>
+            <pc:docMk/>
+            <pc:sldMk cId="3944897247" sldId="267"/>
+            <ac:picMk id="2" creationId="{58AED984-4A3B-4BA5-83CF-ED5497BDC137}"/>
+          </ac:picMkLst>
+        </pc:picChg>
+        <pc:picChg chg="mod">
+          <ac:chgData name="Jose Aguilar" userId="4edcd7cbe4616803" providerId="LiveId" clId="{37B865AB-2315-43C0-AD4C-16E4559F7C7A}" dt="2020-06-01T03:00:19.535" v="677" actId="1076"/>
+          <ac:picMkLst>
+            <pc:docMk/>
+            <pc:sldMk cId="3944897247" sldId="267"/>
+            <ac:picMk id="12" creationId="{0D814B79-9660-4E2E-ADB5-58DCC207FEF9}"/>
+          </ac:picMkLst>
+        </pc:picChg>
+      </pc:sldChg>
+      <pc:sldChg chg="del">
+        <pc:chgData name="Jose Aguilar" userId="4edcd7cbe4616803" providerId="LiveId" clId="{37B865AB-2315-43C0-AD4C-16E4559F7C7A}" dt="2020-06-01T03:08:22.258" v="1081" actId="47"/>
+        <pc:sldMkLst>
+          <pc:docMk/>
+          <pc:sldMk cId="1045692723" sldId="271"/>
+        </pc:sldMkLst>
+      </pc:sldChg>
+      <pc:sldChg chg="addSp delSp modSp mod modClrScheme chgLayout">
+        <pc:chgData name="Jose Aguilar" userId="4edcd7cbe4616803" providerId="LiveId" clId="{37B865AB-2315-43C0-AD4C-16E4559F7C7A}" dt="2020-06-01T03:02:02.717" v="701" actId="14100"/>
+        <pc:sldMkLst>
+          <pc:docMk/>
+          <pc:sldMk cId="718371784" sldId="272"/>
+        </pc:sldMkLst>
+        <pc:spChg chg="add mod ord">
+          <ac:chgData name="Jose Aguilar" userId="4edcd7cbe4616803" providerId="LiveId" clId="{37B865AB-2315-43C0-AD4C-16E4559F7C7A}" dt="2020-06-01T03:01:35.437" v="679" actId="700"/>
+          <ac:spMkLst>
+            <pc:docMk/>
+            <pc:sldMk cId="718371784" sldId="272"/>
+            <ac:spMk id="2" creationId="{D40FC015-C5A7-4741-86D7-71B8572FE355}"/>
+          </ac:spMkLst>
+        </pc:spChg>
+        <pc:spChg chg="add mod ord">
+          <ac:chgData name="Jose Aguilar" userId="4edcd7cbe4616803" providerId="LiveId" clId="{37B865AB-2315-43C0-AD4C-16E4559F7C7A}" dt="2020-06-01T03:01:49.421" v="698" actId="403"/>
+          <ac:spMkLst>
+            <pc:docMk/>
+            <pc:sldMk cId="718371784" sldId="272"/>
+            <ac:spMk id="3" creationId="{31AF0A81-1086-4F35-8A63-8752BFEE104E}"/>
+          </ac:spMkLst>
+        </pc:spChg>
+        <pc:spChg chg="add mod">
+          <ac:chgData name="Jose Aguilar" userId="4edcd7cbe4616803" providerId="LiveId" clId="{37B865AB-2315-43C0-AD4C-16E4559F7C7A}" dt="2020-06-01T03:02:02.717" v="701" actId="14100"/>
+          <ac:spMkLst>
+            <pc:docMk/>
+            <pc:sldMk cId="718371784" sldId="272"/>
+            <ac:spMk id="4" creationId="{D7EF8A62-6AA9-4FEF-A640-0B3AB364C5ED}"/>
+          </ac:spMkLst>
+        </pc:spChg>
+        <pc:spChg chg="del mod ord">
+          <ac:chgData name="Jose Aguilar" userId="4edcd7cbe4616803" providerId="LiveId" clId="{37B865AB-2315-43C0-AD4C-16E4559F7C7A}" dt="2020-06-01T03:01:35.437" v="679" actId="700"/>
+          <ac:spMkLst>
+            <pc:docMk/>
+            <pc:sldMk cId="718371784" sldId="272"/>
+            <ac:spMk id="7" creationId="{FBF65800-1257-48BF-B6F8-8948176892AE}"/>
+          </ac:spMkLst>
+        </pc:spChg>
+        <pc:picChg chg="mod">
+          <ac:chgData name="Jose Aguilar" userId="4edcd7cbe4616803" providerId="LiveId" clId="{37B865AB-2315-43C0-AD4C-16E4559F7C7A}" dt="2020-06-01T03:01:39.628" v="680" actId="1076"/>
+          <ac:picMkLst>
+            <pc:docMk/>
+            <pc:sldMk cId="718371784" sldId="272"/>
+            <ac:picMk id="11" creationId="{C7C452C5-E7C5-4A70-8B61-3462FB752F44}"/>
+          </ac:picMkLst>
+        </pc:picChg>
+        <pc:picChg chg="mod">
+          <ac:chgData name="Jose Aguilar" userId="4edcd7cbe4616803" providerId="LiveId" clId="{37B865AB-2315-43C0-AD4C-16E4559F7C7A}" dt="2020-06-01T03:01:41.440" v="681" actId="1076"/>
+          <ac:picMkLst>
+            <pc:docMk/>
+            <pc:sldMk cId="718371784" sldId="272"/>
+            <ac:picMk id="12" creationId="{4AF614A9-7556-464B-A0F1-5BAB0C279370}"/>
+          </ac:picMkLst>
+        </pc:picChg>
+      </pc:sldChg>
+      <pc:sldChg chg="addSp delSp modSp add mod">
+        <pc:chgData name="Jose Aguilar" userId="4edcd7cbe4616803" providerId="LiveId" clId="{37B865AB-2315-43C0-AD4C-16E4559F7C7A}" dt="2020-06-01T03:08:18.070" v="1080" actId="20577"/>
+        <pc:sldMkLst>
+          <pc:docMk/>
+          <pc:sldMk cId="1637354507" sldId="275"/>
+        </pc:sldMkLst>
+        <pc:spChg chg="mod">
+          <ac:chgData name="Jose Aguilar" userId="4edcd7cbe4616803" providerId="LiveId" clId="{37B865AB-2315-43C0-AD4C-16E4559F7C7A}" dt="2020-06-01T03:05:24.535" v="716" actId="20577"/>
+          <ac:spMkLst>
+            <pc:docMk/>
+            <pc:sldMk cId="1637354507" sldId="275"/>
+            <ac:spMk id="4" creationId="{7B80F47E-9187-4597-928E-81BF9473E5EE}"/>
+          </ac:spMkLst>
+        </pc:spChg>
+        <pc:spChg chg="mod">
+          <ac:chgData name="Jose Aguilar" userId="4edcd7cbe4616803" providerId="LiveId" clId="{37B865AB-2315-43C0-AD4C-16E4559F7C7A}" dt="2020-06-01T03:07:37.806" v="889" actId="1036"/>
+          <ac:spMkLst>
+            <pc:docMk/>
+            <pc:sldMk cId="1637354507" sldId="275"/>
+            <ac:spMk id="7" creationId="{3E0DB1E2-DADA-4F95-A401-B20116B91A23}"/>
+          </ac:spMkLst>
+        </pc:spChg>
+        <pc:spChg chg="mod">
+          <ac:chgData name="Jose Aguilar" userId="4edcd7cbe4616803" providerId="LiveId" clId="{37B865AB-2315-43C0-AD4C-16E4559F7C7A}" dt="2020-06-01T03:07:18.486" v="861" actId="20577"/>
+          <ac:spMkLst>
+            <pc:docMk/>
+            <pc:sldMk cId="1637354507" sldId="275"/>
+            <ac:spMk id="8" creationId="{A9DD70B1-F2A1-466E-AA21-297B9A06FD0C}"/>
+          </ac:spMkLst>
+        </pc:spChg>
+        <pc:spChg chg="mod">
+          <ac:chgData name="Jose Aguilar" userId="4edcd7cbe4616803" providerId="LiveId" clId="{37B865AB-2315-43C0-AD4C-16E4559F7C7A}" dt="2020-06-01T03:08:18.070" v="1080" actId="20577"/>
+          <ac:spMkLst>
+            <pc:docMk/>
+            <pc:sldMk cId="1637354507" sldId="275"/>
+            <ac:spMk id="9" creationId="{F91EFCEA-DC1F-4430-9AFB-CC03872B8F72}"/>
+          </ac:spMkLst>
+        </pc:spChg>
+        <pc:picChg chg="del">
+          <ac:chgData name="Jose Aguilar" userId="4edcd7cbe4616803" providerId="LiveId" clId="{37B865AB-2315-43C0-AD4C-16E4559F7C7A}" dt="2020-06-01T03:05:15.740" v="704" actId="478"/>
+          <ac:picMkLst>
+            <pc:docMk/>
+            <pc:sldMk cId="1637354507" sldId="275"/>
+            <ac:picMk id="3" creationId="{B2C7224C-F4B3-4D59-9DC4-9280490875F3}"/>
+          </ac:picMkLst>
+        </pc:picChg>
+        <pc:picChg chg="del">
+          <ac:chgData name="Jose Aguilar" userId="4edcd7cbe4616803" providerId="LiveId" clId="{37B865AB-2315-43C0-AD4C-16E4559F7C7A}" dt="2020-06-01T03:05:14.685" v="703" actId="478"/>
+          <ac:picMkLst>
+            <pc:docMk/>
+            <pc:sldMk cId="1637354507" sldId="275"/>
+            <ac:picMk id="6" creationId="{8E5EEFA4-70AA-4F69-92D6-895BC32F68BC}"/>
+          </ac:picMkLst>
+        </pc:picChg>
+        <pc:picChg chg="add mod">
+          <ac:chgData name="Jose Aguilar" userId="4edcd7cbe4616803" providerId="LiveId" clId="{37B865AB-2315-43C0-AD4C-16E4559F7C7A}" dt="2020-06-01T03:07:23.123" v="862" actId="1076"/>
+          <ac:picMkLst>
+            <pc:docMk/>
+            <pc:sldMk cId="1637354507" sldId="275"/>
+            <ac:picMk id="10" creationId="{A2A92376-8B42-44DF-9312-E58B7E3B5914}"/>
+          </ac:picMkLst>
+        </pc:picChg>
+      </pc:sldChg>
+    </pc:docChg>
+  </pc:docChgLst>
+</pc:chgInfo>
 </file>
 
 <file path=ppt/notesMasters/notesMaster1.xml><?xml version="1.0" encoding="utf-8"?>
@@ -1763,6 +2130,21 @@
             </a:pPr>
             <a:r>
               <a:rPr lang="es-CR" dirty="0"/>
+              <a:t>Para la identificación </a:t>
+            </a:r>
+          </a:p>
+          <a:p>
+            <a:pPr marL="0" lvl="0" indent="0" algn="l" rtl="0">
+              <a:spcBef>
+                <a:spcPts val="0"/>
+              </a:spcBef>
+              <a:spcAft>
+                <a:spcPts val="0"/>
+              </a:spcAft>
+              <a:buNone/>
+            </a:pPr>
+            <a:r>
+              <a:rPr lang="es-CR" dirty="0"/>
               <a:t>(Presencia de </a:t>
             </a:r>
             <a:r>
@@ -2490,6 +2872,173 @@
     <p:extLst>
       <p:ext uri="{BB962C8B-B14F-4D97-AF65-F5344CB8AC3E}">
         <p14:creationId xmlns:p14="http://schemas.microsoft.com/office/powerpoint/2010/main" val="3946016997"/>
+      </p:ext>
+    </p:extLst>
+  </p:cSld>
+  <p:clrMapOvr>
+    <a:masterClrMapping/>
+  </p:clrMapOvr>
+</p:notes>
+</file>
+
+<file path=ppt/notesSlides/notesSlide16.xml><?xml version="1.0" encoding="utf-8"?>
+<p:notes xmlns:a="http://schemas.openxmlformats.org/drawingml/2006/main" xmlns:r="http://schemas.openxmlformats.org/officeDocument/2006/relationships" xmlns:p="http://schemas.openxmlformats.org/presentationml/2006/main" showMasterSp="0" showMasterPhAnim="0">
+  <p:cSld>
+    <p:spTree>
+      <p:nvGrpSpPr>
+        <p:cNvPr id="1" name="Shape 210"/>
+        <p:cNvGrpSpPr/>
+        <p:nvPr/>
+      </p:nvGrpSpPr>
+      <p:grpSpPr>
+        <a:xfrm>
+          <a:off x="0" y="0"/>
+          <a:ext cx="0" cy="0"/>
+          <a:chOff x="0" y="0"/>
+          <a:chExt cx="0" cy="0"/>
+        </a:xfrm>
+      </p:grpSpPr>
+      <p:sp>
+        <p:nvSpPr>
+          <p:cNvPr id="211" name="Google Shape;211;g87d53a4d5c_0_0:notes"/>
+          <p:cNvSpPr>
+            <a:spLocks noGrp="1" noRot="1" noChangeAspect="1"/>
+          </p:cNvSpPr>
+          <p:nvPr>
+            <p:ph type="sldImg" idx="2"/>
+          </p:nvPr>
+        </p:nvSpPr>
+        <p:spPr>
+          <a:xfrm>
+            <a:off x="685800" y="1143000"/>
+            <a:ext cx="5486400" cy="3086100"/>
+          </a:xfrm>
+          <a:custGeom>
+            <a:avLst/>
+            <a:gdLst/>
+            <a:ahLst/>
+            <a:cxnLst/>
+            <a:rect l="l" t="t" r="r" b="b"/>
+            <a:pathLst>
+              <a:path w="120000" h="120000" extrusionOk="0">
+                <a:moveTo>
+                  <a:pt x="0" y="0"/>
+                </a:moveTo>
+                <a:lnTo>
+                  <a:pt x="120000" y="0"/>
+                </a:lnTo>
+                <a:lnTo>
+                  <a:pt x="120000" y="120000"/>
+                </a:lnTo>
+                <a:lnTo>
+                  <a:pt x="0" y="120000"/>
+                </a:lnTo>
+                <a:close/>
+              </a:path>
+            </a:pathLst>
+          </a:custGeom>
+        </p:spPr>
+      </p:sp>
+      <p:sp>
+        <p:nvSpPr>
+          <p:cNvPr id="212" name="Google Shape;212;g87d53a4d5c_0_0:notes"/>
+          <p:cNvSpPr txBox="1">
+            <a:spLocks noGrp="1"/>
+          </p:cNvSpPr>
+          <p:nvPr>
+            <p:ph type="body" idx="1"/>
+          </p:nvPr>
+        </p:nvSpPr>
+        <p:spPr>
+          <a:xfrm>
+            <a:off x="685800" y="4400550"/>
+            <a:ext cx="5486400" cy="3600600"/>
+          </a:xfrm>
+          <a:prstGeom prst="rect">
+            <a:avLst/>
+          </a:prstGeom>
+        </p:spPr>
+        <p:txBody>
+          <a:bodyPr spcFirstLastPara="1" wrap="square" lIns="91425" tIns="45700" rIns="91425" bIns="45700" anchor="t" anchorCtr="0">
+            <a:noAutofit/>
+          </a:bodyPr>
+          <a:lstStyle/>
+          <a:p>
+            <a:pPr marL="0" lvl="0" indent="0" algn="l" rtl="0">
+              <a:spcBef>
+                <a:spcPts val="0"/>
+              </a:spcBef>
+              <a:spcAft>
+                <a:spcPts val="0"/>
+              </a:spcAft>
+              <a:buNone/>
+            </a:pPr>
+            <a:r>
+              <a:rPr lang="es-CR" dirty="0"/>
+              <a:t>(Presencia de </a:t>
+            </a:r>
+            <a:r>
+              <a:rPr lang="es-CR" dirty="0" err="1"/>
+              <a:t>outliers</a:t>
+            </a:r>
+            <a:r>
+              <a:rPr lang="es-CR" dirty="0"/>
+              <a:t> por temporada alta de ventas)</a:t>
+            </a:r>
+            <a:endParaRPr dirty="0"/>
+          </a:p>
+        </p:txBody>
+      </p:sp>
+      <p:sp>
+        <p:nvSpPr>
+          <p:cNvPr id="213" name="Google Shape;213;g87d53a4d5c_0_0:notes"/>
+          <p:cNvSpPr txBox="1">
+            <a:spLocks noGrp="1"/>
+          </p:cNvSpPr>
+          <p:nvPr>
+            <p:ph type="sldNum" idx="12"/>
+          </p:nvPr>
+        </p:nvSpPr>
+        <p:spPr>
+          <a:xfrm>
+            <a:off x="3884613" y="8685213"/>
+            <a:ext cx="2971800" cy="458700"/>
+          </a:xfrm>
+          <a:prstGeom prst="rect">
+            <a:avLst/>
+          </a:prstGeom>
+        </p:spPr>
+        <p:txBody>
+          <a:bodyPr spcFirstLastPara="1" wrap="square" lIns="91425" tIns="45700" rIns="91425" bIns="45700" anchor="b" anchorCtr="0">
+            <a:noAutofit/>
+          </a:bodyPr>
+          <a:lstStyle/>
+          <a:p>
+            <a:pPr marL="0" lvl="0" indent="0" algn="r" rtl="0">
+              <a:spcBef>
+                <a:spcPts val="0"/>
+              </a:spcBef>
+              <a:spcAft>
+                <a:spcPts val="0"/>
+              </a:spcAft>
+              <a:buClr>
+                <a:srgbClr val="000000"/>
+              </a:buClr>
+              <a:buFont typeface="Arial"/>
+              <a:buNone/>
+            </a:pPr>
+            <a:fld id="{00000000-1234-1234-1234-123412341234}" type="slidenum">
+              <a:rPr lang="en-US"/>
+              <a:t>16</a:t>
+            </a:fld>
+            <a:endParaRPr/>
+          </a:p>
+        </p:txBody>
+      </p:sp>
+    </p:spTree>
+    <p:extLst>
+      <p:ext uri="{BB962C8B-B14F-4D97-AF65-F5344CB8AC3E}">
+        <p14:creationId xmlns:p14="http://schemas.microsoft.com/office/powerpoint/2010/main" val="3726075180"/>
       </p:ext>
     </p:extLst>
   </p:cSld>
@@ -3524,7 +4073,74 @@
               </a:spcAft>
               <a:buNone/>
             </a:pPr>
-            <a:endParaRPr/>
+            <a:r>
+              <a:rPr lang="en-US" dirty="0" err="1"/>
+              <a:t>Mencionar</a:t>
+            </a:r>
+            <a:r>
+              <a:rPr lang="en-US" dirty="0"/>
+              <a:t>:</a:t>
+            </a:r>
+          </a:p>
+          <a:p>
+            <a:pPr marL="0" lvl="0" indent="0" algn="l" rtl="0">
+              <a:spcBef>
+                <a:spcPts val="0"/>
+              </a:spcBef>
+              <a:spcAft>
+                <a:spcPts val="0"/>
+              </a:spcAft>
+              <a:buNone/>
+            </a:pPr>
+            <a:r>
+              <a:rPr lang="en-US" dirty="0" err="1"/>
+              <a:t>Elimnacion</a:t>
+            </a:r>
+            <a:r>
+              <a:rPr lang="en-US" dirty="0"/>
+              <a:t> de clients con </a:t>
+            </a:r>
+            <a:r>
+              <a:rPr lang="en-US" dirty="0" err="1"/>
+              <a:t>Nas</a:t>
+            </a:r>
+            <a:endParaRPr lang="en-US" dirty="0"/>
+          </a:p>
+          <a:p>
+            <a:pPr marL="0" lvl="0" indent="0" algn="l" rtl="0">
+              <a:spcBef>
+                <a:spcPts val="0"/>
+              </a:spcBef>
+              <a:spcAft>
+                <a:spcPts val="0"/>
+              </a:spcAft>
+              <a:buNone/>
+            </a:pPr>
+            <a:r>
+              <a:rPr lang="en-US" dirty="0" err="1"/>
+              <a:t>Valores</a:t>
+            </a:r>
+            <a:r>
+              <a:rPr lang="en-US" dirty="0"/>
+              <a:t> </a:t>
+            </a:r>
+            <a:r>
+              <a:rPr lang="en-US" dirty="0" err="1"/>
+              <a:t>negativos</a:t>
+            </a:r>
+            <a:r>
+              <a:rPr lang="en-US" dirty="0"/>
+              <a:t> de las </a:t>
+            </a:r>
+            <a:r>
+              <a:rPr lang="en-US" dirty="0" err="1"/>
+              <a:t>otras</a:t>
+            </a:r>
+            <a:r>
+              <a:rPr lang="en-US" dirty="0"/>
+              <a:t> dos variables</a:t>
+            </a:r>
+            <a:endParaRPr dirty="0"/>
           </a:p>
         </p:txBody>
       </p:sp>
@@ -3633,7 +4249,7 @@
               </a:spcAft>
               <a:buNone/>
             </a:pPr>
-            <a:endParaRPr/>
+            <a:endParaRPr dirty="0"/>
           </a:p>
         </p:txBody>
       </p:sp>
@@ -3737,7 +4353,137 @@
               </a:spcAft>
               <a:buNone/>
             </a:pPr>
-            <a:endParaRPr/>
+            <a:r>
+              <a:rPr lang="en-US" dirty="0"/>
+              <a:t>El clustering lo </a:t>
+            </a:r>
+            <a:r>
+              <a:rPr lang="en-US" dirty="0" err="1"/>
+              <a:t>vamos</a:t>
+            </a:r>
+            <a:r>
+              <a:rPr lang="en-US" dirty="0"/>
+              <a:t> a </a:t>
+            </a:r>
+            <a:r>
+              <a:rPr lang="en-US" dirty="0" err="1"/>
+              <a:t>realizan</a:t>
+            </a:r>
+            <a:r>
+              <a:rPr lang="en-US" dirty="0"/>
+              <a:t> con base </a:t>
+            </a:r>
+            <a:r>
+              <a:rPr lang="en-US" dirty="0" err="1"/>
+              <a:t>en</a:t>
+            </a:r>
+            <a:r>
+              <a:rPr lang="en-US" dirty="0"/>
+              <a:t> las variables que se </a:t>
+            </a:r>
+            <a:r>
+              <a:rPr lang="en-US" dirty="0" err="1"/>
+              <a:t>crean</a:t>
+            </a:r>
+            <a:r>
+              <a:rPr lang="en-US" dirty="0"/>
+              <a:t> por medio del </a:t>
+            </a:r>
+            <a:r>
+              <a:rPr lang="en-US" dirty="0" err="1"/>
+              <a:t>modelo</a:t>
+            </a:r>
+            <a:r>
+              <a:rPr lang="en-US" dirty="0"/>
+              <a:t> RFM.</a:t>
+            </a:r>
+          </a:p>
+          <a:p>
+            <a:pPr marL="0" lvl="0" indent="0" algn="l" rtl="0">
+              <a:spcBef>
+                <a:spcPts val="0"/>
+              </a:spcBef>
+              <a:spcAft>
+                <a:spcPts val="0"/>
+              </a:spcAft>
+              <a:buNone/>
+            </a:pPr>
+            <a:r>
+              <a:rPr lang="en-US" dirty="0"/>
+              <a:t>Hay que </a:t>
+            </a:r>
+            <a:r>
+              <a:rPr lang="en-US" dirty="0" err="1"/>
+              <a:t>adaptar</a:t>
+            </a:r>
+            <a:r>
+              <a:rPr lang="en-US" dirty="0"/>
+              <a:t> el </a:t>
+            </a:r>
+            <a:r>
+              <a:rPr lang="en-US" dirty="0" err="1"/>
+              <a:t>formato</a:t>
+            </a:r>
+            <a:r>
+              <a:rPr lang="en-US" dirty="0"/>
+              <a:t> de los </a:t>
+            </a:r>
+            <a:r>
+              <a:rPr lang="en-US" dirty="0" err="1"/>
+              <a:t>datos</a:t>
+            </a:r>
+            <a:r>
+              <a:rPr lang="en-US" dirty="0"/>
+              <a:t> al </a:t>
+            </a:r>
+            <a:r>
+              <a:rPr lang="en-US" dirty="0" err="1"/>
+              <a:t>esperado</a:t>
+            </a:r>
+            <a:r>
+              <a:rPr lang="en-US" dirty="0"/>
+              <a:t> por el </a:t>
+            </a:r>
+            <a:r>
+              <a:rPr lang="en-US" dirty="0" err="1"/>
+              <a:t>paquete</a:t>
+            </a:r>
+            <a:r>
+              <a:rPr lang="en-US" dirty="0"/>
+              <a:t>, lo </a:t>
+            </a:r>
+            <a:r>
+              <a:rPr lang="en-US" dirty="0" err="1"/>
+              <a:t>cual</a:t>
+            </a:r>
+            <a:r>
+              <a:rPr lang="en-US" dirty="0"/>
+              <a:t> </a:t>
+            </a:r>
+            <a:r>
+              <a:rPr lang="en-US" dirty="0" err="1"/>
+              <a:t>está</a:t>
+            </a:r>
+            <a:r>
+              <a:rPr lang="en-US" dirty="0"/>
+              <a:t> </a:t>
+            </a:r>
+            <a:r>
+              <a:rPr lang="en-US" dirty="0" err="1"/>
+              <a:t>detallado</a:t>
+            </a:r>
+            <a:r>
+              <a:rPr lang="en-US" dirty="0"/>
+              <a:t> </a:t>
+            </a:r>
+            <a:r>
+              <a:rPr lang="en-US" dirty="0" err="1"/>
+              <a:t>en</a:t>
+            </a:r>
+            <a:r>
+              <a:rPr lang="en-US" dirty="0"/>
+              <a:t> el R.</a:t>
+            </a:r>
           </a:p>
         </p:txBody>
       </p:sp>
@@ -19514,6 +20260,274 @@
           </a:p>
         </p:txBody>
       </p:sp>
+      <p:sp>
+        <p:nvSpPr>
+          <p:cNvPr id="11" name="Google Shape;200;p9">
+            <a:extLst>
+              <a:ext uri="{FF2B5EF4-FFF2-40B4-BE49-F238E27FC236}">
+                <a16:creationId xmlns:a16="http://schemas.microsoft.com/office/drawing/2014/main" id="{3333AD07-530B-4DF4-9F09-31D64B2CCC2B}"/>
+              </a:ext>
+            </a:extLst>
+          </p:cNvPr>
+          <p:cNvSpPr txBox="1"/>
+          <p:nvPr/>
+        </p:nvSpPr>
+        <p:spPr>
+          <a:xfrm>
+            <a:off x="8534400" y="4072672"/>
+            <a:ext cx="2838450" cy="1754286"/>
+          </a:xfrm>
+          <a:prstGeom prst="rect">
+            <a:avLst/>
+          </a:prstGeom>
+          <a:noFill/>
+          <a:ln>
+            <a:noFill/>
+          </a:ln>
+        </p:spPr>
+        <p:txBody>
+          <a:bodyPr spcFirstLastPara="1" wrap="square" lIns="91425" tIns="45700" rIns="91425" bIns="45700" anchor="t" anchorCtr="0">
+            <a:spAutoFit/>
+          </a:bodyPr>
+          <a:lstStyle/>
+          <a:p>
+            <a:pPr marL="0" marR="0" lvl="0" indent="0" algn="l" rtl="0">
+              <a:spcBef>
+                <a:spcPts val="0"/>
+              </a:spcBef>
+              <a:spcAft>
+                <a:spcPts val="0"/>
+              </a:spcAft>
+              <a:buNone/>
+            </a:pPr>
+            <a:r>
+              <a:rPr lang="en-US" sz="1800" dirty="0" err="1">
+                <a:solidFill>
+                  <a:schemeClr val="dk1"/>
+                </a:solidFill>
+                <a:latin typeface="Avenir"/>
+                <a:ea typeface="Avenir"/>
+                <a:cs typeface="Avenir"/>
+                <a:sym typeface="Avenir"/>
+              </a:rPr>
+              <a:t>Adicionalmente</a:t>
+            </a:r>
+            <a:r>
+              <a:rPr lang="en-US" sz="1800" dirty="0">
+                <a:solidFill>
+                  <a:schemeClr val="dk1"/>
+                </a:solidFill>
+                <a:latin typeface="Avenir"/>
+                <a:ea typeface="Avenir"/>
+                <a:cs typeface="Avenir"/>
+                <a:sym typeface="Avenir"/>
+              </a:rPr>
+              <a:t> se </a:t>
+            </a:r>
+            <a:r>
+              <a:rPr lang="en-US" sz="1800" dirty="0" err="1">
+                <a:solidFill>
+                  <a:schemeClr val="dk1"/>
+                </a:solidFill>
+                <a:latin typeface="Avenir"/>
+                <a:ea typeface="Avenir"/>
+                <a:cs typeface="Avenir"/>
+                <a:sym typeface="Avenir"/>
+              </a:rPr>
+              <a:t>conviritieron</a:t>
+            </a:r>
+            <a:r>
+              <a:rPr lang="en-US" sz="1800" dirty="0">
+                <a:solidFill>
+                  <a:schemeClr val="dk1"/>
+                </a:solidFill>
+                <a:latin typeface="Avenir"/>
+                <a:ea typeface="Avenir"/>
+                <a:cs typeface="Avenir"/>
+                <a:sym typeface="Avenir"/>
+              </a:rPr>
+              <a:t> </a:t>
+            </a:r>
+            <a:r>
+              <a:rPr lang="en-US" sz="1800" dirty="0" err="1">
+                <a:solidFill>
+                  <a:schemeClr val="dk1"/>
+                </a:solidFill>
+                <a:latin typeface="Avenir"/>
+                <a:ea typeface="Avenir"/>
+                <a:cs typeface="Avenir"/>
+                <a:sym typeface="Avenir"/>
+              </a:rPr>
+              <a:t>varias</a:t>
+            </a:r>
+            <a:r>
+              <a:rPr lang="en-US" sz="1800" dirty="0">
+                <a:solidFill>
+                  <a:schemeClr val="dk1"/>
+                </a:solidFill>
+                <a:latin typeface="Avenir"/>
+                <a:ea typeface="Avenir"/>
+                <a:cs typeface="Avenir"/>
+                <a:sym typeface="Avenir"/>
+              </a:rPr>
+              <a:t> de las variables a </a:t>
+            </a:r>
+            <a:r>
+              <a:rPr lang="en-US" sz="1800" dirty="0" err="1">
+                <a:solidFill>
+                  <a:schemeClr val="dk1"/>
+                </a:solidFill>
+                <a:latin typeface="Avenir"/>
+                <a:ea typeface="Avenir"/>
+                <a:cs typeface="Avenir"/>
+                <a:sym typeface="Avenir"/>
+              </a:rPr>
+              <a:t>factores</a:t>
+            </a:r>
+            <a:r>
+              <a:rPr lang="en-US" sz="1800" dirty="0">
+                <a:solidFill>
+                  <a:schemeClr val="dk1"/>
+                </a:solidFill>
+                <a:latin typeface="Avenir"/>
+                <a:ea typeface="Avenir"/>
+                <a:cs typeface="Avenir"/>
+                <a:sym typeface="Avenir"/>
+              </a:rPr>
+              <a:t> (</a:t>
+            </a:r>
+            <a:r>
+              <a:rPr lang="en-US" sz="1800" dirty="0" err="1">
+                <a:solidFill>
+                  <a:schemeClr val="dk1"/>
+                </a:solidFill>
+                <a:latin typeface="Avenir"/>
+                <a:ea typeface="Avenir"/>
+                <a:cs typeface="Avenir"/>
+                <a:sym typeface="Avenir"/>
+              </a:rPr>
+              <a:t>CustomerID</a:t>
+            </a:r>
+            <a:r>
+              <a:rPr lang="en-US" sz="1800" dirty="0">
+                <a:solidFill>
+                  <a:schemeClr val="dk1"/>
+                </a:solidFill>
+                <a:latin typeface="Avenir"/>
+                <a:ea typeface="Avenir"/>
+                <a:cs typeface="Avenir"/>
+                <a:sym typeface="Avenir"/>
+              </a:rPr>
+              <a:t>, Country) y se </a:t>
+            </a:r>
+            <a:r>
+              <a:rPr lang="en-US" sz="1800" dirty="0" err="1">
+                <a:solidFill>
+                  <a:schemeClr val="dk1"/>
+                </a:solidFill>
+                <a:latin typeface="Avenir"/>
+                <a:ea typeface="Avenir"/>
+                <a:cs typeface="Avenir"/>
+                <a:sym typeface="Avenir"/>
+              </a:rPr>
+              <a:t>convirieron</a:t>
+            </a:r>
+            <a:r>
+              <a:rPr lang="en-US" sz="1800" dirty="0">
+                <a:solidFill>
+                  <a:schemeClr val="dk1"/>
+                </a:solidFill>
+                <a:latin typeface="Avenir"/>
+                <a:ea typeface="Avenir"/>
+                <a:cs typeface="Avenir"/>
+                <a:sym typeface="Avenir"/>
+              </a:rPr>
+              <a:t> las </a:t>
+            </a:r>
+            <a:r>
+              <a:rPr lang="en-US" sz="1800" dirty="0" err="1">
+                <a:solidFill>
+                  <a:schemeClr val="dk1"/>
+                </a:solidFill>
+                <a:latin typeface="Avenir"/>
+                <a:ea typeface="Avenir"/>
+                <a:cs typeface="Avenir"/>
+                <a:sym typeface="Avenir"/>
+              </a:rPr>
+              <a:t>fechas</a:t>
+            </a:r>
+            <a:r>
+              <a:rPr lang="en-US" sz="1800" dirty="0">
+                <a:solidFill>
+                  <a:schemeClr val="dk1"/>
+                </a:solidFill>
+                <a:latin typeface="Avenir"/>
+                <a:ea typeface="Avenir"/>
+                <a:cs typeface="Avenir"/>
+                <a:sym typeface="Avenir"/>
+              </a:rPr>
+              <a:t> a </a:t>
+            </a:r>
+            <a:r>
+              <a:rPr lang="en-US" sz="1800" dirty="0" err="1">
+                <a:solidFill>
+                  <a:schemeClr val="dk1"/>
+                </a:solidFill>
+                <a:latin typeface="Avenir"/>
+                <a:ea typeface="Avenir"/>
+                <a:cs typeface="Avenir"/>
+                <a:sym typeface="Avenir"/>
+              </a:rPr>
+              <a:t>días</a:t>
+            </a:r>
+            <a:r>
+              <a:rPr lang="en-US" sz="1800" dirty="0">
+                <a:solidFill>
+                  <a:schemeClr val="dk1"/>
+                </a:solidFill>
+                <a:latin typeface="Avenir"/>
+                <a:ea typeface="Avenir"/>
+                <a:cs typeface="Avenir"/>
+                <a:sym typeface="Avenir"/>
+              </a:rPr>
+              <a:t> (</a:t>
+            </a:r>
+            <a:r>
+              <a:rPr lang="en-US" sz="1800" dirty="0" err="1">
+                <a:solidFill>
+                  <a:schemeClr val="dk1"/>
+                </a:solidFill>
+                <a:latin typeface="Avenir"/>
+                <a:ea typeface="Avenir"/>
+                <a:cs typeface="Avenir"/>
+                <a:sym typeface="Avenir"/>
+              </a:rPr>
+              <a:t>InvoiceDay</a:t>
+            </a:r>
+            <a:r>
+              <a:rPr lang="en-US" sz="1800" dirty="0">
+                <a:solidFill>
+                  <a:schemeClr val="dk1"/>
+                </a:solidFill>
+                <a:latin typeface="Avenir"/>
+                <a:ea typeface="Avenir"/>
+                <a:cs typeface="Avenir"/>
+                <a:sym typeface="Avenir"/>
+              </a:rPr>
+              <a:t>)</a:t>
+            </a:r>
+            <a:endParaRPr sz="1800" dirty="0">
+              <a:solidFill>
+                <a:schemeClr val="dk1"/>
+              </a:solidFill>
+              <a:latin typeface="Avenir"/>
+              <a:ea typeface="Avenir"/>
+              <a:cs typeface="Avenir"/>
+              <a:sym typeface="Avenir"/>
+            </a:endParaRPr>
+          </a:p>
+        </p:txBody>
+      </p:sp>
     </p:spTree>
   </p:cSld>
   <p:clrMapOvr>
@@ -20013,14 +21027,267 @@
         </p:blipFill>
         <p:spPr>
           <a:xfrm>
-            <a:off x="6564430" y="2702579"/>
-            <a:ext cx="4853520" cy="3250646"/>
+            <a:off x="5970201" y="2019029"/>
+            <a:ext cx="3604875" cy="2414366"/>
           </a:xfrm>
           <a:prstGeom prst="rect">
             <a:avLst/>
           </a:prstGeom>
         </p:spPr>
       </p:pic>
+      <p:pic>
+        <p:nvPicPr>
+          <p:cNvPr id="1028" name="Picture 4">
+            <a:extLst>
+              <a:ext uri="{FF2B5EF4-FFF2-40B4-BE49-F238E27FC236}">
+                <a16:creationId xmlns:a16="http://schemas.microsoft.com/office/drawing/2014/main" id="{37BDC187-875A-4177-B76F-FA159C4E5B01}"/>
+              </a:ext>
+            </a:extLst>
+          </p:cNvPr>
+          <p:cNvPicPr>
+            <a:picLocks noChangeAspect="1" noChangeArrowheads="1"/>
+          </p:cNvPicPr>
+          <p:nvPr/>
+        </p:nvPicPr>
+        <p:blipFill>
+          <a:blip r:embed="rId4">
+            <a:extLst>
+              <a:ext uri="{28A0092B-C50C-407E-A947-70E740481C1C}">
+                <a14:useLocalDpi xmlns:a14="http://schemas.microsoft.com/office/drawing/2010/main" val="0"/>
+              </a:ext>
+            </a:extLst>
+          </a:blip>
+          <a:srcRect/>
+          <a:stretch>
+            <a:fillRect/>
+          </a:stretch>
+        </p:blipFill>
+        <p:spPr bwMode="auto">
+          <a:xfrm>
+            <a:off x="8248072" y="4433395"/>
+            <a:ext cx="3267364" cy="2333831"/>
+          </a:xfrm>
+          <a:prstGeom prst="rect">
+            <a:avLst/>
+          </a:prstGeom>
+          <a:noFill/>
+          <a:extLst>
+            <a:ext uri="{909E8E84-426E-40DD-AFC4-6F175D3DCCD1}">
+              <a14:hiddenFill xmlns:a14="http://schemas.microsoft.com/office/drawing/2010/main">
+                <a:solidFill>
+                  <a:srgbClr val="FFFFFF"/>
+                </a:solidFill>
+              </a14:hiddenFill>
+            </a:ext>
+          </a:extLst>
+        </p:spPr>
+      </p:pic>
+      <p:sp>
+        <p:nvSpPr>
+          <p:cNvPr id="6" name="TextBox 5">
+            <a:extLst>
+              <a:ext uri="{FF2B5EF4-FFF2-40B4-BE49-F238E27FC236}">
+                <a16:creationId xmlns:a16="http://schemas.microsoft.com/office/drawing/2014/main" id="{57A0EB90-A1BF-4D63-8D93-FCCFE7E7C37E}"/>
+              </a:ext>
+            </a:extLst>
+          </p:cNvPr>
+          <p:cNvSpPr txBox="1"/>
+          <p:nvPr/>
+        </p:nvSpPr>
+        <p:spPr>
+          <a:xfrm>
+            <a:off x="9033164" y="3196562"/>
+            <a:ext cx="981359" cy="307777"/>
+          </a:xfrm>
+          <a:prstGeom prst="rect">
+            <a:avLst/>
+          </a:prstGeom>
+          <a:noFill/>
+        </p:spPr>
+        <p:txBody>
+          <a:bodyPr wrap="none" rtlCol="0">
+            <a:spAutoFit/>
+          </a:bodyPr>
+          <a:lstStyle/>
+          <a:p>
+            <a:r>
+              <a:rPr lang="en-US" dirty="0"/>
+              <a:t>Silhouette</a:t>
+            </a:r>
+          </a:p>
+        </p:txBody>
+      </p:sp>
+      <p:sp>
+        <p:nvSpPr>
+          <p:cNvPr id="10" name="TextBox 9">
+            <a:extLst>
+              <a:ext uri="{FF2B5EF4-FFF2-40B4-BE49-F238E27FC236}">
+                <a16:creationId xmlns:a16="http://schemas.microsoft.com/office/drawing/2014/main" id="{64A22623-6AA4-44B4-9528-7B53041A540B}"/>
+              </a:ext>
+            </a:extLst>
+          </p:cNvPr>
+          <p:cNvSpPr txBox="1"/>
+          <p:nvPr/>
+        </p:nvSpPr>
+        <p:spPr>
+          <a:xfrm>
+            <a:off x="7635404" y="5482122"/>
+            <a:ext cx="612668" cy="307777"/>
+          </a:xfrm>
+          <a:prstGeom prst="rect">
+            <a:avLst/>
+          </a:prstGeom>
+          <a:noFill/>
+        </p:spPr>
+        <p:txBody>
+          <a:bodyPr wrap="none" rtlCol="0">
+            <a:spAutoFit/>
+          </a:bodyPr>
+          <a:lstStyle/>
+          <a:p>
+            <a:r>
+              <a:rPr lang="en-US" dirty="0" err="1"/>
+              <a:t>Codo</a:t>
+            </a:r>
+            <a:endParaRPr lang="en-US" dirty="0"/>
+          </a:p>
+        </p:txBody>
+      </p:sp>
+      <p:sp>
+        <p:nvSpPr>
+          <p:cNvPr id="7" name="Oval 6">
+            <a:extLst>
+              <a:ext uri="{FF2B5EF4-FFF2-40B4-BE49-F238E27FC236}">
+                <a16:creationId xmlns:a16="http://schemas.microsoft.com/office/drawing/2014/main" id="{ECA4A4A7-93B2-420F-964A-E76A9499E5E2}"/>
+              </a:ext>
+            </a:extLst>
+          </p:cNvPr>
+          <p:cNvSpPr/>
+          <p:nvPr/>
+        </p:nvSpPr>
+        <p:spPr>
+          <a:xfrm>
+            <a:off x="9235484" y="5600310"/>
+            <a:ext cx="288359" cy="263394"/>
+          </a:xfrm>
+          <a:prstGeom prst="ellipse">
+            <a:avLst/>
+          </a:prstGeom>
+          <a:noFill/>
+        </p:spPr>
+        <p:style>
+          <a:lnRef idx="2">
+            <a:schemeClr val="accent4"/>
+          </a:lnRef>
+          <a:fillRef idx="1">
+            <a:schemeClr val="lt1"/>
+          </a:fillRef>
+          <a:effectRef idx="0">
+            <a:schemeClr val="accent4"/>
+          </a:effectRef>
+          <a:fontRef idx="minor">
+            <a:schemeClr val="dk1"/>
+          </a:fontRef>
+        </p:style>
+        <p:txBody>
+          <a:bodyPr rtlCol="0" anchor="ctr"/>
+          <a:lstStyle/>
+          <a:p>
+            <a:pPr algn="ctr"/>
+            <a:endParaRPr lang="en-US"/>
+          </a:p>
+        </p:txBody>
+      </p:sp>
+      <p:sp>
+        <p:nvSpPr>
+          <p:cNvPr id="12" name="Oval 11">
+            <a:extLst>
+              <a:ext uri="{FF2B5EF4-FFF2-40B4-BE49-F238E27FC236}">
+                <a16:creationId xmlns:a16="http://schemas.microsoft.com/office/drawing/2014/main" id="{BEA5A653-C3D4-496B-8ABE-13DBFF6634C9}"/>
+              </a:ext>
+            </a:extLst>
+          </p:cNvPr>
+          <p:cNvSpPr/>
+          <p:nvPr/>
+        </p:nvSpPr>
+        <p:spPr>
+          <a:xfrm>
+            <a:off x="10029963" y="6172200"/>
+            <a:ext cx="288359" cy="263394"/>
+          </a:xfrm>
+          <a:prstGeom prst="ellipse">
+            <a:avLst/>
+          </a:prstGeom>
+          <a:noFill/>
+        </p:spPr>
+        <p:style>
+          <a:lnRef idx="2">
+            <a:schemeClr val="accent4"/>
+          </a:lnRef>
+          <a:fillRef idx="1">
+            <a:schemeClr val="lt1"/>
+          </a:fillRef>
+          <a:effectRef idx="0">
+            <a:schemeClr val="accent4"/>
+          </a:effectRef>
+          <a:fontRef idx="minor">
+            <a:schemeClr val="dk1"/>
+          </a:fontRef>
+        </p:style>
+        <p:txBody>
+          <a:bodyPr rtlCol="0" anchor="ctr"/>
+          <a:lstStyle/>
+          <a:p>
+            <a:pPr algn="ctr"/>
+            <a:endParaRPr lang="en-US"/>
+          </a:p>
+        </p:txBody>
+      </p:sp>
+      <p:sp>
+        <p:nvSpPr>
+          <p:cNvPr id="13" name="Oval 12">
+            <a:extLst>
+              <a:ext uri="{FF2B5EF4-FFF2-40B4-BE49-F238E27FC236}">
+                <a16:creationId xmlns:a16="http://schemas.microsoft.com/office/drawing/2014/main" id="{A74E34B2-7F33-4FE1-A940-B5C37656339D}"/>
+              </a:ext>
+            </a:extLst>
+          </p:cNvPr>
+          <p:cNvSpPr/>
+          <p:nvPr/>
+        </p:nvSpPr>
+        <p:spPr>
+          <a:xfrm>
+            <a:off x="6995666" y="2167318"/>
+            <a:ext cx="288359" cy="263394"/>
+          </a:xfrm>
+          <a:prstGeom prst="ellipse">
+            <a:avLst/>
+          </a:prstGeom>
+          <a:noFill/>
+        </p:spPr>
+        <p:style>
+          <a:lnRef idx="2">
+            <a:schemeClr val="accent4"/>
+          </a:lnRef>
+          <a:fillRef idx="1">
+            <a:schemeClr val="lt1"/>
+          </a:fillRef>
+          <a:effectRef idx="0">
+            <a:schemeClr val="accent4"/>
+          </a:effectRef>
+          <a:fontRef idx="minor">
+            <a:schemeClr val="dk1"/>
+          </a:fontRef>
+        </p:style>
+        <p:txBody>
+          <a:bodyPr rtlCol="0" anchor="ctr"/>
+          <a:lstStyle/>
+          <a:p>
+            <a:pPr algn="ctr"/>
+            <a:endParaRPr lang="en-US"/>
+          </a:p>
+        </p:txBody>
+      </p:sp>
     </p:spTree>
   </p:cSld>
   <p:clrMapOvr>
@@ -20176,10 +21443,60 @@
           </a:bodyPr>
           <a:lstStyle/>
           <a:p>
-            <a:pPr marL="76200" indent="0">
-              <a:buNone/>
-            </a:pPr>
-            <a:endParaRPr lang="en-US" dirty="0"/>
+            <a:r>
+              <a:rPr lang="en-US" dirty="0"/>
+              <a:t>K-Medoid</a:t>
+            </a:r>
+          </a:p>
+          <a:p>
+            <a:pPr lvl="1"/>
+            <a:r>
+              <a:rPr lang="en-US" dirty="0" err="1"/>
+              <a:t>Manejo</a:t>
+            </a:r>
+            <a:r>
+              <a:rPr lang="en-US" dirty="0"/>
+              <a:t> mas </a:t>
+            </a:r>
+            <a:r>
+              <a:rPr lang="en-US" dirty="0" err="1"/>
+              <a:t>robusto</a:t>
+            </a:r>
+            <a:r>
+              <a:rPr lang="en-US" dirty="0"/>
+              <a:t> de </a:t>
+            </a:r>
+            <a:r>
+              <a:rPr lang="en-US" i="1" dirty="0"/>
+              <a:t>Outliers</a:t>
+            </a:r>
+          </a:p>
+          <a:p>
+            <a:pPr lvl="1"/>
+            <a:r>
+              <a:rPr lang="en-US" dirty="0" err="1"/>
+              <a:t>Costo</a:t>
+            </a:r>
+            <a:r>
+              <a:rPr lang="en-US" dirty="0"/>
+              <a:t> </a:t>
+            </a:r>
+            <a:r>
+              <a:rPr lang="en-US" dirty="0" err="1"/>
+              <a:t>computacional</a:t>
+            </a:r>
+            <a:r>
+              <a:rPr lang="en-US" dirty="0"/>
+              <a:t> acceptable para el conjunto de </a:t>
+            </a:r>
+            <a:r>
+              <a:rPr lang="en-US" dirty="0" err="1"/>
+              <a:t>datos</a:t>
+            </a:r>
+            <a:r>
+              <a:rPr lang="en-US" dirty="0"/>
+              <a:t> (n=4339)</a:t>
+            </a:r>
           </a:p>
         </p:txBody>
       </p:sp>
@@ -20527,8 +21844,38 @@
         </p:blipFill>
         <p:spPr>
           <a:xfrm>
-            <a:off x="6480690" y="3256001"/>
-            <a:ext cx="4222603" cy="2984303"/>
+            <a:off x="6700524" y="3239959"/>
+            <a:ext cx="4717926" cy="3334370"/>
+          </a:xfrm>
+          <a:prstGeom prst="rect">
+            <a:avLst/>
+          </a:prstGeom>
+        </p:spPr>
+      </p:pic>
+      <p:pic>
+        <p:nvPicPr>
+          <p:cNvPr id="2" name="Picture 1">
+            <a:extLst>
+              <a:ext uri="{FF2B5EF4-FFF2-40B4-BE49-F238E27FC236}">
+                <a16:creationId xmlns:a16="http://schemas.microsoft.com/office/drawing/2014/main" id="{58AED984-4A3B-4BA5-83CF-ED5497BDC137}"/>
+              </a:ext>
+            </a:extLst>
+          </p:cNvPr>
+          <p:cNvPicPr>
+            <a:picLocks noChangeAspect="1"/>
+          </p:cNvPicPr>
+          <p:nvPr/>
+        </p:nvPicPr>
+        <p:blipFill>
+          <a:blip r:embed="rId4"/>
+          <a:stretch>
+            <a:fillRect/>
+          </a:stretch>
+        </p:blipFill>
+        <p:spPr>
+          <a:xfrm>
+            <a:off x="1223264" y="5143903"/>
+            <a:ext cx="4722367" cy="1430426"/>
           </a:xfrm>
           <a:prstGeom prst="rect">
             <a:avLst/>
@@ -22937,7 +24284,7 @@
   <p:cSld>
     <p:spTree>
       <p:nvGrpSpPr>
-        <p:cNvPr id="1" name=""/>
+        <p:cNvPr id="1" name="Shape 214"/>
         <p:cNvGrpSpPr/>
         <p:nvPr/>
       </p:nvGrpSpPr>
@@ -22951,10 +24298,82 @@
       </p:grpSpPr>
       <p:sp>
         <p:nvSpPr>
-          <p:cNvPr id="2" name="Title 1">
+          <p:cNvPr id="5" name="Google Shape;181;p7">
             <a:extLst>
               <a:ext uri="{FF2B5EF4-FFF2-40B4-BE49-F238E27FC236}">
-                <a16:creationId xmlns:a16="http://schemas.microsoft.com/office/drawing/2014/main" id="{EE7C87CB-3553-4300-892B-660CA6C0A04C}"/>
+                <a16:creationId xmlns:a16="http://schemas.microsoft.com/office/drawing/2014/main" id="{4B7B3147-5A22-46DE-BDB3-C289BC4C11E1}"/>
+              </a:ext>
+            </a:extLst>
+          </p:cNvPr>
+          <p:cNvSpPr txBox="1">
+            <a:spLocks noGrp="1"/>
+          </p:cNvSpPr>
+          <p:nvPr>
+            <p:ph type="title"/>
+          </p:nvPr>
+        </p:nvSpPr>
+        <p:spPr>
+          <a:prstGeom prst="rect">
+            <a:avLst/>
+          </a:prstGeom>
+          <a:noFill/>
+          <a:ln>
+            <a:noFill/>
+          </a:ln>
+        </p:spPr>
+        <p:txBody>
+          <a:bodyPr spcFirstLastPara="1" wrap="square" lIns="91425" tIns="45700" rIns="91425" bIns="45700" anchor="ctr" anchorCtr="0">
+            <a:normAutofit/>
+          </a:bodyPr>
+          <a:lstStyle/>
+          <a:p>
+            <a:pPr marL="0" lvl="0" indent="0" algn="l" rtl="0">
+              <a:lnSpc>
+                <a:spcPct val="90000"/>
+              </a:lnSpc>
+              <a:spcBef>
+                <a:spcPts val="0"/>
+              </a:spcBef>
+              <a:spcAft>
+                <a:spcPts val="0"/>
+              </a:spcAft>
+              <a:buClr>
+                <a:schemeClr val="dk1"/>
+              </a:buClr>
+              <a:buSzPts val="4000"/>
+              <a:buFont typeface="Avenir"/>
+              <a:buNone/>
+            </a:pPr>
+            <a:r>
+              <a:rPr lang="en-US" dirty="0" err="1"/>
+              <a:t>Fase</a:t>
+            </a:r>
+            <a:r>
+              <a:rPr lang="en-US" dirty="0"/>
+              <a:t> de </a:t>
+            </a:r>
+            <a:r>
+              <a:rPr lang="en-US" dirty="0" err="1"/>
+              <a:t>evaluación</a:t>
+            </a:r>
+            <a:r>
+              <a:rPr lang="en-US" dirty="0"/>
+              <a:t> de los </a:t>
+            </a:r>
+            <a:r>
+              <a:rPr lang="en-US" dirty="0" err="1"/>
+              <a:t>modelos</a:t>
+            </a:r>
+            <a:endParaRPr dirty="0"/>
+          </a:p>
+        </p:txBody>
+      </p:sp>
+      <p:sp>
+        <p:nvSpPr>
+          <p:cNvPr id="2" name="Text Placeholder 1">
+            <a:extLst>
+              <a:ext uri="{FF2B5EF4-FFF2-40B4-BE49-F238E27FC236}">
+                <a16:creationId xmlns:a16="http://schemas.microsoft.com/office/drawing/2014/main" id="{A9D94BA0-465F-45CE-920B-8ECEA008F5D3}"/>
               </a:ext>
             </a:extLst>
           </p:cNvPr>
@@ -22962,26 +24381,965 @@
             <a:spLocks noGrp="1"/>
           </p:cNvSpPr>
           <p:nvPr>
-            <p:ph type="title"/>
+            <p:ph type="body" idx="1"/>
           </p:nvPr>
         </p:nvSpPr>
-        <p:spPr/>
+        <p:spPr>
+          <a:xfrm>
+            <a:off x="774513" y="2131656"/>
+            <a:ext cx="4937760" cy="823912"/>
+          </a:xfrm>
+        </p:spPr>
         <p:txBody>
           <a:bodyPr/>
           <a:lstStyle/>
           <a:p>
             <a:r>
               <a:rPr lang="es-CR" dirty="0" err="1"/>
-              <a:t>Dashboards</a:t>
+              <a:t>Clustering</a:t>
             </a:r>
             <a:endParaRPr lang="en-US" dirty="0"/>
           </a:p>
         </p:txBody>
       </p:sp>
+      <p:sp>
+        <p:nvSpPr>
+          <p:cNvPr id="4" name="Google Shape;181;p7">
+            <a:extLst>
+              <a:ext uri="{FF2B5EF4-FFF2-40B4-BE49-F238E27FC236}">
+                <a16:creationId xmlns:a16="http://schemas.microsoft.com/office/drawing/2014/main" id="{7B80F47E-9187-4597-928E-81BF9473E5EE}"/>
+              </a:ext>
+            </a:extLst>
+          </p:cNvPr>
+          <p:cNvSpPr txBox="1">
+            <a:spLocks/>
+          </p:cNvSpPr>
+          <p:nvPr/>
+        </p:nvSpPr>
+        <p:spPr>
+          <a:xfrm>
+            <a:off x="1115575" y="1424539"/>
+            <a:ext cx="10168200" cy="503718"/>
+          </a:xfrm>
+          <a:prstGeom prst="rect">
+            <a:avLst/>
+          </a:prstGeom>
+          <a:noFill/>
+          <a:ln>
+            <a:noFill/>
+          </a:ln>
+        </p:spPr>
+        <p:txBody>
+          <a:bodyPr spcFirstLastPara="1" wrap="square" lIns="91425" tIns="45700" rIns="91425" bIns="45700" anchor="ctr" anchorCtr="0">
+            <a:normAutofit/>
+          </a:bodyPr>
+          <a:lstStyle>
+            <a:defPPr marR="0" lvl="0" algn="l" rtl="0">
+              <a:lnSpc>
+                <a:spcPct val="100000"/>
+              </a:lnSpc>
+              <a:spcBef>
+                <a:spcPts val="0"/>
+              </a:spcBef>
+              <a:spcAft>
+                <a:spcPts val="0"/>
+              </a:spcAft>
+            </a:defPPr>
+            <a:lvl1pPr marR="0" lvl="0" algn="l" rtl="0">
+              <a:lnSpc>
+                <a:spcPct val="90000"/>
+              </a:lnSpc>
+              <a:spcBef>
+                <a:spcPts val="0"/>
+              </a:spcBef>
+              <a:spcAft>
+                <a:spcPts val="0"/>
+              </a:spcAft>
+              <a:buClr>
+                <a:schemeClr val="dk1"/>
+              </a:buClr>
+              <a:buSzPts val="4000"/>
+              <a:buFont typeface="Avenir"/>
+              <a:buNone/>
+              <a:defRPr sz="4000" b="0" i="0" u="none" strike="noStrike" cap="none">
+                <a:solidFill>
+                  <a:schemeClr val="dk1"/>
+                </a:solidFill>
+                <a:latin typeface="Avenir"/>
+                <a:ea typeface="Avenir"/>
+                <a:cs typeface="Avenir"/>
+                <a:sym typeface="Avenir"/>
+              </a:defRPr>
+            </a:lvl1pPr>
+            <a:lvl2pPr marR="0" lvl="1" algn="l" rtl="0">
+              <a:lnSpc>
+                <a:spcPct val="100000"/>
+              </a:lnSpc>
+              <a:spcBef>
+                <a:spcPts val="0"/>
+              </a:spcBef>
+              <a:spcAft>
+                <a:spcPts val="0"/>
+              </a:spcAft>
+              <a:buClr>
+                <a:srgbClr val="000000"/>
+              </a:buClr>
+              <a:buSzPts val="1400"/>
+              <a:buFont typeface="Arial"/>
+              <a:buNone/>
+              <a:defRPr sz="1800" b="0" i="0" u="none" strike="noStrike" cap="none">
+                <a:solidFill>
+                  <a:srgbClr val="000000"/>
+                </a:solidFill>
+                <a:latin typeface="Arial"/>
+                <a:ea typeface="Arial"/>
+                <a:cs typeface="Arial"/>
+                <a:sym typeface="Arial"/>
+              </a:defRPr>
+            </a:lvl2pPr>
+            <a:lvl3pPr marR="0" lvl="2" algn="l" rtl="0">
+              <a:lnSpc>
+                <a:spcPct val="100000"/>
+              </a:lnSpc>
+              <a:spcBef>
+                <a:spcPts val="0"/>
+              </a:spcBef>
+              <a:spcAft>
+                <a:spcPts val="0"/>
+              </a:spcAft>
+              <a:buClr>
+                <a:srgbClr val="000000"/>
+              </a:buClr>
+              <a:buSzPts val="1400"/>
+              <a:buFont typeface="Arial"/>
+              <a:buNone/>
+              <a:defRPr sz="1800" b="0" i="0" u="none" strike="noStrike" cap="none">
+                <a:solidFill>
+                  <a:srgbClr val="000000"/>
+                </a:solidFill>
+                <a:latin typeface="Arial"/>
+                <a:ea typeface="Arial"/>
+                <a:cs typeface="Arial"/>
+                <a:sym typeface="Arial"/>
+              </a:defRPr>
+            </a:lvl3pPr>
+            <a:lvl4pPr marR="0" lvl="3" algn="l" rtl="0">
+              <a:lnSpc>
+                <a:spcPct val="100000"/>
+              </a:lnSpc>
+              <a:spcBef>
+                <a:spcPts val="0"/>
+              </a:spcBef>
+              <a:spcAft>
+                <a:spcPts val="0"/>
+              </a:spcAft>
+              <a:buClr>
+                <a:srgbClr val="000000"/>
+              </a:buClr>
+              <a:buSzPts val="1400"/>
+              <a:buFont typeface="Arial"/>
+              <a:buNone/>
+              <a:defRPr sz="1800" b="0" i="0" u="none" strike="noStrike" cap="none">
+                <a:solidFill>
+                  <a:srgbClr val="000000"/>
+                </a:solidFill>
+                <a:latin typeface="Arial"/>
+                <a:ea typeface="Arial"/>
+                <a:cs typeface="Arial"/>
+                <a:sym typeface="Arial"/>
+              </a:defRPr>
+            </a:lvl4pPr>
+            <a:lvl5pPr marR="0" lvl="4" algn="l" rtl="0">
+              <a:lnSpc>
+                <a:spcPct val="100000"/>
+              </a:lnSpc>
+              <a:spcBef>
+                <a:spcPts val="0"/>
+              </a:spcBef>
+              <a:spcAft>
+                <a:spcPts val="0"/>
+              </a:spcAft>
+              <a:buClr>
+                <a:srgbClr val="000000"/>
+              </a:buClr>
+              <a:buSzPts val="1400"/>
+              <a:buFont typeface="Arial"/>
+              <a:buNone/>
+              <a:defRPr sz="1800" b="0" i="0" u="none" strike="noStrike" cap="none">
+                <a:solidFill>
+                  <a:srgbClr val="000000"/>
+                </a:solidFill>
+                <a:latin typeface="Arial"/>
+                <a:ea typeface="Arial"/>
+                <a:cs typeface="Arial"/>
+                <a:sym typeface="Arial"/>
+              </a:defRPr>
+            </a:lvl5pPr>
+            <a:lvl6pPr marR="0" lvl="5" algn="l" rtl="0">
+              <a:lnSpc>
+                <a:spcPct val="100000"/>
+              </a:lnSpc>
+              <a:spcBef>
+                <a:spcPts val="0"/>
+              </a:spcBef>
+              <a:spcAft>
+                <a:spcPts val="0"/>
+              </a:spcAft>
+              <a:buClr>
+                <a:srgbClr val="000000"/>
+              </a:buClr>
+              <a:buSzPts val="1400"/>
+              <a:buFont typeface="Arial"/>
+              <a:buNone/>
+              <a:defRPr sz="1800" b="0" i="0" u="none" strike="noStrike" cap="none">
+                <a:solidFill>
+                  <a:srgbClr val="000000"/>
+                </a:solidFill>
+                <a:latin typeface="Arial"/>
+                <a:ea typeface="Arial"/>
+                <a:cs typeface="Arial"/>
+                <a:sym typeface="Arial"/>
+              </a:defRPr>
+            </a:lvl6pPr>
+            <a:lvl7pPr marR="0" lvl="6" algn="l" rtl="0">
+              <a:lnSpc>
+                <a:spcPct val="100000"/>
+              </a:lnSpc>
+              <a:spcBef>
+                <a:spcPts val="0"/>
+              </a:spcBef>
+              <a:spcAft>
+                <a:spcPts val="0"/>
+              </a:spcAft>
+              <a:buClr>
+                <a:srgbClr val="000000"/>
+              </a:buClr>
+              <a:buSzPts val="1400"/>
+              <a:buFont typeface="Arial"/>
+              <a:buNone/>
+              <a:defRPr sz="1800" b="0" i="0" u="none" strike="noStrike" cap="none">
+                <a:solidFill>
+                  <a:srgbClr val="000000"/>
+                </a:solidFill>
+                <a:latin typeface="Arial"/>
+                <a:ea typeface="Arial"/>
+                <a:cs typeface="Arial"/>
+                <a:sym typeface="Arial"/>
+              </a:defRPr>
+            </a:lvl7pPr>
+            <a:lvl8pPr marR="0" lvl="7" algn="l" rtl="0">
+              <a:lnSpc>
+                <a:spcPct val="100000"/>
+              </a:lnSpc>
+              <a:spcBef>
+                <a:spcPts val="0"/>
+              </a:spcBef>
+              <a:spcAft>
+                <a:spcPts val="0"/>
+              </a:spcAft>
+              <a:buClr>
+                <a:srgbClr val="000000"/>
+              </a:buClr>
+              <a:buSzPts val="1400"/>
+              <a:buFont typeface="Arial"/>
+              <a:buNone/>
+              <a:defRPr sz="1800" b="0" i="0" u="none" strike="noStrike" cap="none">
+                <a:solidFill>
+                  <a:srgbClr val="000000"/>
+                </a:solidFill>
+                <a:latin typeface="Arial"/>
+                <a:ea typeface="Arial"/>
+                <a:cs typeface="Arial"/>
+                <a:sym typeface="Arial"/>
+              </a:defRPr>
+            </a:lvl8pPr>
+            <a:lvl9pPr marR="0" lvl="8" algn="l" rtl="0">
+              <a:lnSpc>
+                <a:spcPct val="100000"/>
+              </a:lnSpc>
+              <a:spcBef>
+                <a:spcPts val="0"/>
+              </a:spcBef>
+              <a:spcAft>
+                <a:spcPts val="0"/>
+              </a:spcAft>
+              <a:buClr>
+                <a:srgbClr val="000000"/>
+              </a:buClr>
+              <a:buSzPts val="1400"/>
+              <a:buFont typeface="Arial"/>
+              <a:buNone/>
+              <a:defRPr sz="1800" b="0" i="0" u="none" strike="noStrike" cap="none">
+                <a:solidFill>
+                  <a:srgbClr val="000000"/>
+                </a:solidFill>
+                <a:latin typeface="Arial"/>
+                <a:ea typeface="Arial"/>
+                <a:cs typeface="Arial"/>
+                <a:sym typeface="Arial"/>
+              </a:defRPr>
+            </a:lvl9pPr>
+          </a:lstStyle>
+          <a:p>
+            <a:r>
+              <a:rPr lang="es-CR" sz="2400" dirty="0"/>
+              <a:t>Conclusiones</a:t>
+            </a:r>
+            <a:endParaRPr lang="es-ES" sz="2400" dirty="0"/>
+          </a:p>
+        </p:txBody>
+      </p:sp>
+      <p:sp>
+        <p:nvSpPr>
+          <p:cNvPr id="7" name="Text Placeholder 1">
+            <a:extLst>
+              <a:ext uri="{FF2B5EF4-FFF2-40B4-BE49-F238E27FC236}">
+                <a16:creationId xmlns:a16="http://schemas.microsoft.com/office/drawing/2014/main" id="{3E0DB1E2-DADA-4F95-A401-B20116B91A23}"/>
+              </a:ext>
+            </a:extLst>
+          </p:cNvPr>
+          <p:cNvSpPr txBox="1">
+            <a:spLocks/>
+          </p:cNvSpPr>
+          <p:nvPr/>
+        </p:nvSpPr>
+        <p:spPr>
+          <a:xfrm>
+            <a:off x="774513" y="4580679"/>
+            <a:ext cx="4937760" cy="823912"/>
+          </a:xfrm>
+          <a:prstGeom prst="rect">
+            <a:avLst/>
+          </a:prstGeom>
+          <a:noFill/>
+          <a:ln>
+            <a:noFill/>
+          </a:ln>
+        </p:spPr>
+        <p:txBody>
+          <a:bodyPr spcFirstLastPara="1" wrap="square" lIns="91425" tIns="45700" rIns="91425" bIns="45700" anchor="b" anchorCtr="0">
+            <a:normAutofit/>
+          </a:bodyPr>
+          <a:lstStyle>
+            <a:defPPr marR="0" lvl="0" algn="l" rtl="0">
+              <a:lnSpc>
+                <a:spcPct val="100000"/>
+              </a:lnSpc>
+              <a:spcBef>
+                <a:spcPts val="0"/>
+              </a:spcBef>
+              <a:spcAft>
+                <a:spcPts val="0"/>
+              </a:spcAft>
+            </a:defPPr>
+            <a:lvl1pPr marL="457200" marR="0" lvl="0" indent="-228600" algn="l" rtl="0">
+              <a:lnSpc>
+                <a:spcPct val="110000"/>
+              </a:lnSpc>
+              <a:spcBef>
+                <a:spcPts val="1000"/>
+              </a:spcBef>
+              <a:spcAft>
+                <a:spcPts val="0"/>
+              </a:spcAft>
+              <a:buClr>
+                <a:schemeClr val="dk1"/>
+              </a:buClr>
+              <a:buSzPts val="2400"/>
+              <a:buFont typeface="Arial"/>
+              <a:buNone/>
+              <a:defRPr sz="2400" b="1" i="0" u="none" strike="noStrike" cap="none">
+                <a:solidFill>
+                  <a:schemeClr val="dk1"/>
+                </a:solidFill>
+                <a:latin typeface="Avenir"/>
+                <a:ea typeface="Avenir"/>
+                <a:cs typeface="Avenir"/>
+                <a:sym typeface="Avenir"/>
+              </a:defRPr>
+            </a:lvl1pPr>
+            <a:lvl2pPr marL="914400" marR="0" lvl="1" indent="-228600" algn="l" rtl="0">
+              <a:lnSpc>
+                <a:spcPct val="110000"/>
+              </a:lnSpc>
+              <a:spcBef>
+                <a:spcPts val="500"/>
+              </a:spcBef>
+              <a:spcAft>
+                <a:spcPts val="0"/>
+              </a:spcAft>
+              <a:buClr>
+                <a:schemeClr val="dk1"/>
+              </a:buClr>
+              <a:buSzPts val="2000"/>
+              <a:buFont typeface="Arial"/>
+              <a:buNone/>
+              <a:defRPr sz="2000" b="1" i="0" u="none" strike="noStrike" cap="none">
+                <a:solidFill>
+                  <a:schemeClr val="dk1"/>
+                </a:solidFill>
+                <a:latin typeface="Avenir"/>
+                <a:ea typeface="Avenir"/>
+                <a:cs typeface="Avenir"/>
+                <a:sym typeface="Avenir"/>
+              </a:defRPr>
+            </a:lvl2pPr>
+            <a:lvl3pPr marL="1371600" marR="0" lvl="2" indent="-228600" algn="l" rtl="0">
+              <a:lnSpc>
+                <a:spcPct val="110000"/>
+              </a:lnSpc>
+              <a:spcBef>
+                <a:spcPts val="500"/>
+              </a:spcBef>
+              <a:spcAft>
+                <a:spcPts val="0"/>
+              </a:spcAft>
+              <a:buClr>
+                <a:schemeClr val="dk1"/>
+              </a:buClr>
+              <a:buSzPts val="1800"/>
+              <a:buFont typeface="Arial"/>
+              <a:buNone/>
+              <a:defRPr sz="1800" b="1" i="0" u="none" strike="noStrike" cap="none">
+                <a:solidFill>
+                  <a:schemeClr val="dk1"/>
+                </a:solidFill>
+                <a:latin typeface="Avenir"/>
+                <a:ea typeface="Avenir"/>
+                <a:cs typeface="Avenir"/>
+                <a:sym typeface="Avenir"/>
+              </a:defRPr>
+            </a:lvl3pPr>
+            <a:lvl4pPr marL="1828800" marR="0" lvl="3" indent="-228600" algn="l" rtl="0">
+              <a:lnSpc>
+                <a:spcPct val="110000"/>
+              </a:lnSpc>
+              <a:spcBef>
+                <a:spcPts val="500"/>
+              </a:spcBef>
+              <a:spcAft>
+                <a:spcPts val="0"/>
+              </a:spcAft>
+              <a:buClr>
+                <a:schemeClr val="dk1"/>
+              </a:buClr>
+              <a:buSzPts val="1600"/>
+              <a:buFont typeface="Arial"/>
+              <a:buNone/>
+              <a:defRPr sz="1600" b="1" i="0" u="none" strike="noStrike" cap="none">
+                <a:solidFill>
+                  <a:schemeClr val="dk1"/>
+                </a:solidFill>
+                <a:latin typeface="Avenir"/>
+                <a:ea typeface="Avenir"/>
+                <a:cs typeface="Avenir"/>
+                <a:sym typeface="Avenir"/>
+              </a:defRPr>
+            </a:lvl4pPr>
+            <a:lvl5pPr marL="2286000" marR="0" lvl="4" indent="-228600" algn="l" rtl="0">
+              <a:lnSpc>
+                <a:spcPct val="110000"/>
+              </a:lnSpc>
+              <a:spcBef>
+                <a:spcPts val="500"/>
+              </a:spcBef>
+              <a:spcAft>
+                <a:spcPts val="0"/>
+              </a:spcAft>
+              <a:buClr>
+                <a:schemeClr val="dk1"/>
+              </a:buClr>
+              <a:buSzPts val="1600"/>
+              <a:buFont typeface="Arial"/>
+              <a:buNone/>
+              <a:defRPr sz="1600" b="1" i="0" u="none" strike="noStrike" cap="none">
+                <a:solidFill>
+                  <a:schemeClr val="dk1"/>
+                </a:solidFill>
+                <a:latin typeface="Avenir"/>
+                <a:ea typeface="Avenir"/>
+                <a:cs typeface="Avenir"/>
+                <a:sym typeface="Avenir"/>
+              </a:defRPr>
+            </a:lvl5pPr>
+            <a:lvl6pPr marL="2743200" marR="0" lvl="5" indent="-228600" algn="l" rtl="0">
+              <a:lnSpc>
+                <a:spcPct val="90000"/>
+              </a:lnSpc>
+              <a:spcBef>
+                <a:spcPts val="500"/>
+              </a:spcBef>
+              <a:spcAft>
+                <a:spcPts val="0"/>
+              </a:spcAft>
+              <a:buClr>
+                <a:schemeClr val="dk1"/>
+              </a:buClr>
+              <a:buSzPts val="1600"/>
+              <a:buFont typeface="Arial"/>
+              <a:buNone/>
+              <a:defRPr sz="1600" b="1" i="0" u="none" strike="noStrike" cap="none">
+                <a:solidFill>
+                  <a:schemeClr val="dk1"/>
+                </a:solidFill>
+                <a:latin typeface="Avenir"/>
+                <a:ea typeface="Avenir"/>
+                <a:cs typeface="Avenir"/>
+                <a:sym typeface="Avenir"/>
+              </a:defRPr>
+            </a:lvl6pPr>
+            <a:lvl7pPr marL="3200400" marR="0" lvl="6" indent="-228600" algn="l" rtl="0">
+              <a:lnSpc>
+                <a:spcPct val="90000"/>
+              </a:lnSpc>
+              <a:spcBef>
+                <a:spcPts val="500"/>
+              </a:spcBef>
+              <a:spcAft>
+                <a:spcPts val="0"/>
+              </a:spcAft>
+              <a:buClr>
+                <a:schemeClr val="dk1"/>
+              </a:buClr>
+              <a:buSzPts val="1600"/>
+              <a:buFont typeface="Arial"/>
+              <a:buNone/>
+              <a:defRPr sz="1600" b="1" i="0" u="none" strike="noStrike" cap="none">
+                <a:solidFill>
+                  <a:schemeClr val="dk1"/>
+                </a:solidFill>
+                <a:latin typeface="Avenir"/>
+                <a:ea typeface="Avenir"/>
+                <a:cs typeface="Avenir"/>
+                <a:sym typeface="Avenir"/>
+              </a:defRPr>
+            </a:lvl7pPr>
+            <a:lvl8pPr marL="3657600" marR="0" lvl="7" indent="-228600" algn="l" rtl="0">
+              <a:lnSpc>
+                <a:spcPct val="90000"/>
+              </a:lnSpc>
+              <a:spcBef>
+                <a:spcPts val="500"/>
+              </a:spcBef>
+              <a:spcAft>
+                <a:spcPts val="0"/>
+              </a:spcAft>
+              <a:buClr>
+                <a:schemeClr val="dk1"/>
+              </a:buClr>
+              <a:buSzPts val="1600"/>
+              <a:buFont typeface="Arial"/>
+              <a:buNone/>
+              <a:defRPr sz="1600" b="1" i="0" u="none" strike="noStrike" cap="none">
+                <a:solidFill>
+                  <a:schemeClr val="dk1"/>
+                </a:solidFill>
+                <a:latin typeface="Avenir"/>
+                <a:ea typeface="Avenir"/>
+                <a:cs typeface="Avenir"/>
+                <a:sym typeface="Avenir"/>
+              </a:defRPr>
+            </a:lvl8pPr>
+            <a:lvl9pPr marL="4114800" marR="0" lvl="8" indent="-228600" algn="l" rtl="0">
+              <a:lnSpc>
+                <a:spcPct val="90000"/>
+              </a:lnSpc>
+              <a:spcBef>
+                <a:spcPts val="500"/>
+              </a:spcBef>
+              <a:spcAft>
+                <a:spcPts val="0"/>
+              </a:spcAft>
+              <a:buClr>
+                <a:schemeClr val="dk1"/>
+              </a:buClr>
+              <a:buSzPts val="1600"/>
+              <a:buFont typeface="Arial"/>
+              <a:buNone/>
+              <a:defRPr sz="1600" b="1" i="0" u="none" strike="noStrike" cap="none">
+                <a:solidFill>
+                  <a:schemeClr val="dk1"/>
+                </a:solidFill>
+                <a:latin typeface="Avenir"/>
+                <a:ea typeface="Avenir"/>
+                <a:cs typeface="Avenir"/>
+                <a:sym typeface="Avenir"/>
+              </a:defRPr>
+            </a:lvl9pPr>
+          </a:lstStyle>
+          <a:p>
+            <a:r>
+              <a:rPr lang="es-CR" dirty="0"/>
+              <a:t>Regresión</a:t>
+            </a:r>
+            <a:endParaRPr lang="en-US" dirty="0"/>
+          </a:p>
+        </p:txBody>
+      </p:sp>
+      <p:sp>
+        <p:nvSpPr>
+          <p:cNvPr id="8" name="Text Placeholder 2">
+            <a:extLst>
+              <a:ext uri="{FF2B5EF4-FFF2-40B4-BE49-F238E27FC236}">
+                <a16:creationId xmlns:a16="http://schemas.microsoft.com/office/drawing/2014/main" id="{A9DD70B1-F2A1-466E-AA21-297B9A06FD0C}"/>
+              </a:ext>
+            </a:extLst>
+          </p:cNvPr>
+          <p:cNvSpPr>
+            <a:spLocks noGrp="1"/>
+          </p:cNvSpPr>
+          <p:nvPr>
+            <p:ph type="body" idx="2"/>
+          </p:nvPr>
+        </p:nvSpPr>
+        <p:spPr>
+          <a:xfrm>
+            <a:off x="990439" y="2955568"/>
+            <a:ext cx="10684887" cy="2968512"/>
+          </a:xfrm>
+        </p:spPr>
+        <p:txBody>
+          <a:bodyPr>
+            <a:normAutofit/>
+          </a:bodyPr>
+          <a:lstStyle/>
+          <a:p>
+            <a:pPr marL="76200" indent="0">
+              <a:buNone/>
+            </a:pPr>
+            <a:r>
+              <a:rPr lang="es-CR" dirty="0"/>
+              <a:t>Se identificaron 3 segmentos. Se aconseja al departamento de Marketing definir estrategias de mercadeo específicas para cada segmento</a:t>
+            </a:r>
+            <a:endParaRPr lang="en-US" dirty="0"/>
+          </a:p>
+        </p:txBody>
+      </p:sp>
+      <p:sp>
+        <p:nvSpPr>
+          <p:cNvPr id="9" name="Text Placeholder 2">
+            <a:extLst>
+              <a:ext uri="{FF2B5EF4-FFF2-40B4-BE49-F238E27FC236}">
+                <a16:creationId xmlns:a16="http://schemas.microsoft.com/office/drawing/2014/main" id="{F91EFCEA-DC1F-4430-9AFB-CC03872B8F72}"/>
+              </a:ext>
+            </a:extLst>
+          </p:cNvPr>
+          <p:cNvSpPr txBox="1">
+            <a:spLocks/>
+          </p:cNvSpPr>
+          <p:nvPr/>
+        </p:nvSpPr>
+        <p:spPr>
+          <a:xfrm>
+            <a:off x="990440" y="5313174"/>
+            <a:ext cx="10293256" cy="1604215"/>
+          </a:xfrm>
+          <a:prstGeom prst="rect">
+            <a:avLst/>
+          </a:prstGeom>
+          <a:noFill/>
+          <a:ln>
+            <a:noFill/>
+          </a:ln>
+        </p:spPr>
+        <p:txBody>
+          <a:bodyPr spcFirstLastPara="1" wrap="square" lIns="91425" tIns="45700" rIns="91425" bIns="45700" anchor="t" anchorCtr="0">
+            <a:normAutofit/>
+          </a:bodyPr>
+          <a:lstStyle>
+            <a:defPPr marR="0" lvl="0" algn="l" rtl="0">
+              <a:lnSpc>
+                <a:spcPct val="100000"/>
+              </a:lnSpc>
+              <a:spcBef>
+                <a:spcPts val="0"/>
+              </a:spcBef>
+              <a:spcAft>
+                <a:spcPts val="0"/>
+              </a:spcAft>
+            </a:defPPr>
+            <a:lvl1pPr marL="457200" marR="0" lvl="0" indent="-381000" algn="l" rtl="0">
+              <a:lnSpc>
+                <a:spcPct val="110000"/>
+              </a:lnSpc>
+              <a:spcBef>
+                <a:spcPts val="1000"/>
+              </a:spcBef>
+              <a:spcAft>
+                <a:spcPts val="0"/>
+              </a:spcAft>
+              <a:buClr>
+                <a:schemeClr val="dk1"/>
+              </a:buClr>
+              <a:buSzPts val="2400"/>
+              <a:buFont typeface="Arial"/>
+              <a:buChar char="•"/>
+              <a:defRPr sz="2400" b="0" i="0" u="none" strike="noStrike" cap="none">
+                <a:solidFill>
+                  <a:schemeClr val="dk1"/>
+                </a:solidFill>
+                <a:latin typeface="Avenir"/>
+                <a:ea typeface="Avenir"/>
+                <a:cs typeface="Avenir"/>
+                <a:sym typeface="Avenir"/>
+              </a:defRPr>
+            </a:lvl1pPr>
+            <a:lvl2pPr marL="914400" marR="0" lvl="1" indent="-355600" algn="l" rtl="0">
+              <a:lnSpc>
+                <a:spcPct val="110000"/>
+              </a:lnSpc>
+              <a:spcBef>
+                <a:spcPts val="500"/>
+              </a:spcBef>
+              <a:spcAft>
+                <a:spcPts val="0"/>
+              </a:spcAft>
+              <a:buClr>
+                <a:schemeClr val="dk1"/>
+              </a:buClr>
+              <a:buSzPts val="2000"/>
+              <a:buFont typeface="Arial"/>
+              <a:buChar char="•"/>
+              <a:defRPr sz="2000" b="0" i="0" u="none" strike="noStrike" cap="none">
+                <a:solidFill>
+                  <a:schemeClr val="dk1"/>
+                </a:solidFill>
+                <a:latin typeface="Avenir"/>
+                <a:ea typeface="Avenir"/>
+                <a:cs typeface="Avenir"/>
+                <a:sym typeface="Avenir"/>
+              </a:defRPr>
+            </a:lvl2pPr>
+            <a:lvl3pPr marL="1371600" marR="0" lvl="2" indent="-342900" algn="l" rtl="0">
+              <a:lnSpc>
+                <a:spcPct val="110000"/>
+              </a:lnSpc>
+              <a:spcBef>
+                <a:spcPts val="500"/>
+              </a:spcBef>
+              <a:spcAft>
+                <a:spcPts val="0"/>
+              </a:spcAft>
+              <a:buClr>
+                <a:schemeClr val="dk1"/>
+              </a:buClr>
+              <a:buSzPts val="1800"/>
+              <a:buFont typeface="Arial"/>
+              <a:buChar char="•"/>
+              <a:defRPr sz="1800" b="0" i="0" u="none" strike="noStrike" cap="none">
+                <a:solidFill>
+                  <a:schemeClr val="dk1"/>
+                </a:solidFill>
+                <a:latin typeface="Avenir"/>
+                <a:ea typeface="Avenir"/>
+                <a:cs typeface="Avenir"/>
+                <a:sym typeface="Avenir"/>
+              </a:defRPr>
+            </a:lvl3pPr>
+            <a:lvl4pPr marL="1828800" marR="0" lvl="3" indent="-342900" algn="l" rtl="0">
+              <a:lnSpc>
+                <a:spcPct val="110000"/>
+              </a:lnSpc>
+              <a:spcBef>
+                <a:spcPts val="500"/>
+              </a:spcBef>
+              <a:spcAft>
+                <a:spcPts val="0"/>
+              </a:spcAft>
+              <a:buClr>
+                <a:schemeClr val="dk1"/>
+              </a:buClr>
+              <a:buSzPts val="1800"/>
+              <a:buFont typeface="Arial"/>
+              <a:buChar char="•"/>
+              <a:defRPr sz="1800" b="0" i="0" u="none" strike="noStrike" cap="none">
+                <a:solidFill>
+                  <a:schemeClr val="dk1"/>
+                </a:solidFill>
+                <a:latin typeface="Avenir"/>
+                <a:ea typeface="Avenir"/>
+                <a:cs typeface="Avenir"/>
+                <a:sym typeface="Avenir"/>
+              </a:defRPr>
+            </a:lvl4pPr>
+            <a:lvl5pPr marL="2286000" marR="0" lvl="4" indent="-342900" algn="l" rtl="0">
+              <a:lnSpc>
+                <a:spcPct val="110000"/>
+              </a:lnSpc>
+              <a:spcBef>
+                <a:spcPts val="500"/>
+              </a:spcBef>
+              <a:spcAft>
+                <a:spcPts val="0"/>
+              </a:spcAft>
+              <a:buClr>
+                <a:schemeClr val="dk1"/>
+              </a:buClr>
+              <a:buSzPts val="1800"/>
+              <a:buFont typeface="Arial"/>
+              <a:buChar char="•"/>
+              <a:defRPr sz="1800" b="0" i="0" u="none" strike="noStrike" cap="none">
+                <a:solidFill>
+                  <a:schemeClr val="dk1"/>
+                </a:solidFill>
+                <a:latin typeface="Avenir"/>
+                <a:ea typeface="Avenir"/>
+                <a:cs typeface="Avenir"/>
+                <a:sym typeface="Avenir"/>
+              </a:defRPr>
+            </a:lvl5pPr>
+            <a:lvl6pPr marL="2743200" marR="0" lvl="5" indent="-342900" algn="l" rtl="0">
+              <a:lnSpc>
+                <a:spcPct val="90000"/>
+              </a:lnSpc>
+              <a:spcBef>
+                <a:spcPts val="500"/>
+              </a:spcBef>
+              <a:spcAft>
+                <a:spcPts val="0"/>
+              </a:spcAft>
+              <a:buClr>
+                <a:schemeClr val="dk1"/>
+              </a:buClr>
+              <a:buSzPts val="1800"/>
+              <a:buFont typeface="Arial"/>
+              <a:buChar char="•"/>
+              <a:defRPr sz="1800" b="0" i="0" u="none" strike="noStrike" cap="none">
+                <a:solidFill>
+                  <a:schemeClr val="dk1"/>
+                </a:solidFill>
+                <a:latin typeface="Avenir"/>
+                <a:ea typeface="Avenir"/>
+                <a:cs typeface="Avenir"/>
+                <a:sym typeface="Avenir"/>
+              </a:defRPr>
+            </a:lvl6pPr>
+            <a:lvl7pPr marL="3200400" marR="0" lvl="6" indent="-342900" algn="l" rtl="0">
+              <a:lnSpc>
+                <a:spcPct val="90000"/>
+              </a:lnSpc>
+              <a:spcBef>
+                <a:spcPts val="500"/>
+              </a:spcBef>
+              <a:spcAft>
+                <a:spcPts val="0"/>
+              </a:spcAft>
+              <a:buClr>
+                <a:schemeClr val="dk1"/>
+              </a:buClr>
+              <a:buSzPts val="1800"/>
+              <a:buFont typeface="Arial"/>
+              <a:buChar char="•"/>
+              <a:defRPr sz="1800" b="0" i="0" u="none" strike="noStrike" cap="none">
+                <a:solidFill>
+                  <a:schemeClr val="dk1"/>
+                </a:solidFill>
+                <a:latin typeface="Avenir"/>
+                <a:ea typeface="Avenir"/>
+                <a:cs typeface="Avenir"/>
+                <a:sym typeface="Avenir"/>
+              </a:defRPr>
+            </a:lvl7pPr>
+            <a:lvl8pPr marL="3657600" marR="0" lvl="7" indent="-342900" algn="l" rtl="0">
+              <a:lnSpc>
+                <a:spcPct val="90000"/>
+              </a:lnSpc>
+              <a:spcBef>
+                <a:spcPts val="500"/>
+              </a:spcBef>
+              <a:spcAft>
+                <a:spcPts val="0"/>
+              </a:spcAft>
+              <a:buClr>
+                <a:schemeClr val="dk1"/>
+              </a:buClr>
+              <a:buSzPts val="1800"/>
+              <a:buFont typeface="Arial"/>
+              <a:buChar char="•"/>
+              <a:defRPr sz="1800" b="0" i="0" u="none" strike="noStrike" cap="none">
+                <a:solidFill>
+                  <a:schemeClr val="dk1"/>
+                </a:solidFill>
+                <a:latin typeface="Avenir"/>
+                <a:ea typeface="Avenir"/>
+                <a:cs typeface="Avenir"/>
+                <a:sym typeface="Avenir"/>
+              </a:defRPr>
+            </a:lvl8pPr>
+            <a:lvl9pPr marL="4114800" marR="0" lvl="8" indent="-342900" algn="l" rtl="0">
+              <a:lnSpc>
+                <a:spcPct val="90000"/>
+              </a:lnSpc>
+              <a:spcBef>
+                <a:spcPts val="500"/>
+              </a:spcBef>
+              <a:spcAft>
+                <a:spcPts val="0"/>
+              </a:spcAft>
+              <a:buClr>
+                <a:schemeClr val="dk1"/>
+              </a:buClr>
+              <a:buSzPts val="1800"/>
+              <a:buFont typeface="Arial"/>
+              <a:buChar char="•"/>
+              <a:defRPr sz="1800" b="0" i="0" u="none" strike="noStrike" cap="none">
+                <a:solidFill>
+                  <a:schemeClr val="dk1"/>
+                </a:solidFill>
+                <a:latin typeface="Avenir"/>
+                <a:ea typeface="Avenir"/>
+                <a:cs typeface="Avenir"/>
+                <a:sym typeface="Avenir"/>
+              </a:defRPr>
+            </a:lvl9pPr>
+          </a:lstStyle>
+          <a:p>
+            <a:pPr marL="76200" indent="0">
+              <a:buFont typeface="Arial"/>
+              <a:buNone/>
+            </a:pPr>
+            <a:r>
+              <a:rPr lang="es-CR" dirty="0"/>
+              <a:t>La tasa de errores encontrada en ambos modelos resultó mucho mas alta de la esperada, por lo que se aconseja repetir el ejercicio con mas datos en el futuro.</a:t>
+            </a:r>
+            <a:endParaRPr lang="en-US" dirty="0"/>
+          </a:p>
+        </p:txBody>
+      </p:sp>
+      <p:pic>
+        <p:nvPicPr>
+          <p:cNvPr id="10" name="Picture 9">
+            <a:extLst>
+              <a:ext uri="{FF2B5EF4-FFF2-40B4-BE49-F238E27FC236}">
+                <a16:creationId xmlns:a16="http://schemas.microsoft.com/office/drawing/2014/main" id="{A2A92376-8B42-44DF-9312-E58B7E3B5914}"/>
+              </a:ext>
+            </a:extLst>
+          </p:cNvPr>
+          <p:cNvPicPr>
+            <a:picLocks noChangeAspect="1"/>
+          </p:cNvPicPr>
+          <p:nvPr/>
+        </p:nvPicPr>
+        <p:blipFill>
+          <a:blip r:embed="rId3"/>
+          <a:stretch>
+            <a:fillRect/>
+          </a:stretch>
+        </p:blipFill>
+        <p:spPr>
+          <a:xfrm>
+            <a:off x="1913374" y="3906283"/>
+            <a:ext cx="7597798" cy="1127858"/>
+          </a:xfrm>
+          <a:prstGeom prst="rect">
+            <a:avLst/>
+          </a:prstGeom>
+        </p:spPr>
+      </p:pic>
     </p:spTree>
     <p:extLst>
       <p:ext uri="{BB962C8B-B14F-4D97-AF65-F5344CB8AC3E}">
-        <p14:creationId xmlns:p14="http://schemas.microsoft.com/office/powerpoint/2010/main" val="1045692723"/>
+        <p14:creationId xmlns:p14="http://schemas.microsoft.com/office/powerpoint/2010/main" val="1637354507"/>
       </p:ext>
     </p:extLst>
   </p:cSld>
@@ -23010,10 +25368,10 @@
       </p:grpSpPr>
       <p:sp>
         <p:nvSpPr>
-          <p:cNvPr id="7" name="Title 6">
+          <p:cNvPr id="2" name="Title 1">
             <a:extLst>
               <a:ext uri="{FF2B5EF4-FFF2-40B4-BE49-F238E27FC236}">
-                <a16:creationId xmlns:a16="http://schemas.microsoft.com/office/drawing/2014/main" id="{FBF65800-1257-48BF-B6F8-8948176892AE}"/>
+                <a16:creationId xmlns:a16="http://schemas.microsoft.com/office/drawing/2014/main" id="{D40FC015-C5A7-4741-86D7-71B8572FE355}"/>
               </a:ext>
             </a:extLst>
           </p:cNvPr>
@@ -23024,25 +25382,42 @@
             <p:ph type="title"/>
           </p:nvPr>
         </p:nvSpPr>
-        <p:spPr>
-          <a:xfrm>
-            <a:off x="1115568" y="548640"/>
-            <a:ext cx="10168128" cy="1179576"/>
-          </a:xfrm>
-        </p:spPr>
+        <p:spPr/>
+        <p:txBody>
+          <a:bodyPr/>
+          <a:lstStyle/>
+          <a:p>
+            <a:endParaRPr lang="en-US"/>
+          </a:p>
+        </p:txBody>
+      </p:sp>
+      <p:sp>
+        <p:nvSpPr>
+          <p:cNvPr id="3" name="Text Placeholder 2">
+            <a:extLst>
+              <a:ext uri="{FF2B5EF4-FFF2-40B4-BE49-F238E27FC236}">
+                <a16:creationId xmlns:a16="http://schemas.microsoft.com/office/drawing/2014/main" id="{31AF0A81-1086-4F35-8A63-8752BFEE104E}"/>
+              </a:ext>
+            </a:extLst>
+          </p:cNvPr>
+          <p:cNvSpPr>
+            <a:spLocks noGrp="1"/>
+          </p:cNvSpPr>
+          <p:nvPr>
+            <p:ph type="body" idx="1"/>
+          </p:nvPr>
+        </p:nvSpPr>
+        <p:spPr/>
         <p:txBody>
           <a:bodyPr>
-            <a:noAutofit/>
+            <a:normAutofit fontScale="92500" lnSpcReduction="20000"/>
           </a:bodyPr>
           <a:lstStyle/>
           <a:p>
             <a:r>
-              <a:rPr lang="en-US" sz="1800" dirty="0">
-                <a:hlinkClick r:id="rId2"/>
-              </a:rPr>
-              <a:t>https://public.tableau.com/profile/eilyn.francinie.salazar.miranda#!/vizhome/ProyectoFinal_CursoMineria_EspecializacionCD/Resumensegmentosdemercado?publish=yes</a:t>
-            </a:r>
-            <a:endParaRPr lang="en-US" sz="1800" dirty="0"/>
+              <a:rPr lang="en-US" sz="2800" b="1" dirty="0"/>
+              <a:t>Dashboards</a:t>
+            </a:r>
           </a:p>
         </p:txBody>
       </p:sp>
@@ -23061,14 +25436,14 @@
           <p:nvPr/>
         </p:nvPicPr>
         <p:blipFill>
-          <a:blip r:embed="rId3"/>
+          <a:blip r:embed="rId2"/>
           <a:stretch>
             <a:fillRect/>
           </a:stretch>
         </p:blipFill>
         <p:spPr>
           <a:xfrm>
-            <a:off x="408048" y="2176272"/>
+            <a:off x="304416" y="548640"/>
             <a:ext cx="5791584" cy="4297680"/>
           </a:xfrm>
           <a:prstGeom prst="rect">
@@ -23091,14 +25466,14 @@
           <p:nvPr/>
         </p:nvPicPr>
         <p:blipFill>
-          <a:blip r:embed="rId4"/>
+          <a:blip r:embed="rId3"/>
           <a:stretch>
             <a:fillRect/>
           </a:stretch>
         </p:blipFill>
         <p:spPr>
           <a:xfrm>
-            <a:off x="6199632" y="2176272"/>
+            <a:off x="6349368" y="822960"/>
             <a:ext cx="5393438" cy="3931920"/>
           </a:xfrm>
           <a:prstGeom prst="rect">
@@ -23106,6 +25481,43 @@
           </a:prstGeom>
         </p:spPr>
       </p:pic>
+      <p:sp>
+        <p:nvSpPr>
+          <p:cNvPr id="4" name="Rectangle 3">
+            <a:extLst>
+              <a:ext uri="{FF2B5EF4-FFF2-40B4-BE49-F238E27FC236}">
+                <a16:creationId xmlns:a16="http://schemas.microsoft.com/office/drawing/2014/main" id="{D7EF8A62-6AA9-4FEF-A640-0B3AB364C5ED}"/>
+              </a:ext>
+            </a:extLst>
+          </p:cNvPr>
+          <p:cNvSpPr/>
+          <p:nvPr/>
+        </p:nvSpPr>
+        <p:spPr>
+          <a:xfrm>
+            <a:off x="557784" y="5943600"/>
+            <a:ext cx="11185022" cy="523220"/>
+          </a:xfrm>
+          <a:prstGeom prst="rect">
+            <a:avLst/>
+          </a:prstGeom>
+        </p:spPr>
+        <p:txBody>
+          <a:bodyPr wrap="square">
+            <a:spAutoFit/>
+          </a:bodyPr>
+          <a:lstStyle/>
+          <a:p>
+            <a:r>
+              <a:rPr lang="en-US" dirty="0">
+                <a:hlinkClick r:id="rId4"/>
+              </a:rPr>
+              <a:t>https://public.tableau.com/profile/eilyn.francinie.salazar.miranda#!/vizhome/ProyectoFinal_CursoMineria_EspecializacionCD/Resumensegmentosdemercado?publish=yes</a:t>
+            </a:r>
+            <a:endParaRPr lang="en-US" dirty="0"/>
+          </a:p>
+        </p:txBody>
+      </p:sp>
     </p:spTree>
     <p:extLst>
       <p:ext uri="{BB962C8B-B14F-4D97-AF65-F5344CB8AC3E}">
@@ -24826,10 +27238,10 @@
               <a:buNone/>
             </a:pPr>
             <a:r>
-              <a:rPr lang="en-US"/>
+              <a:rPr lang="en-US" dirty="0" err="1"/>
               <a:t>Objetivos</a:t>
             </a:r>
-            <a:endParaRPr/>
+            <a:endParaRPr dirty="0"/>
           </a:p>
           <a:p>
             <a:pPr marL="457200" lvl="0" indent="-323850" algn="l" rtl="0">
@@ -24849,10 +27261,46 @@
               <a:buAutoNum type="arabicPeriod"/>
             </a:pPr>
             <a:r>
-              <a:rPr lang="en-US" sz="1600"/>
-              <a:t>Identificar al menos 3 segmentos de mercados minoristas a partir de las ventas.</a:t>
-            </a:r>
-            <a:endParaRPr/>
+              <a:rPr lang="en-US" sz="1600" dirty="0" err="1"/>
+              <a:t>Identificar</a:t>
+            </a:r>
+            <a:r>
+              <a:rPr lang="en-US" sz="1600" dirty="0"/>
+              <a:t> 3 </a:t>
+            </a:r>
+            <a:r>
+              <a:rPr lang="en-US" sz="1600" dirty="0" err="1"/>
+              <a:t>segmentos</a:t>
+            </a:r>
+            <a:r>
+              <a:rPr lang="en-US" sz="1600" dirty="0"/>
+              <a:t> de mercados </a:t>
+            </a:r>
+            <a:r>
+              <a:rPr lang="en-US" sz="1600" dirty="0" err="1"/>
+              <a:t>minoristas</a:t>
+            </a:r>
+            <a:r>
+              <a:rPr lang="en-US" sz="1600" dirty="0"/>
+              <a:t> a </a:t>
+            </a:r>
+            <a:r>
+              <a:rPr lang="en-US" sz="1600" dirty="0" err="1"/>
+              <a:t>partir</a:t>
+            </a:r>
+            <a:r>
+              <a:rPr lang="en-US" sz="1600" dirty="0"/>
+              <a:t> de las </a:t>
+            </a:r>
+            <a:r>
+              <a:rPr lang="en-US" sz="1600" dirty="0" err="1"/>
+              <a:t>ventas</a:t>
+            </a:r>
+            <a:r>
+              <a:rPr lang="en-US" sz="1600" dirty="0"/>
+              <a:t>.</a:t>
+            </a:r>
+            <a:endParaRPr dirty="0"/>
           </a:p>
           <a:p>
             <a:pPr marL="457200" lvl="0" indent="-323850" algn="l" rtl="0">
@@ -24872,10 +27320,34 @@
               <a:buAutoNum type="arabicPeriod"/>
             </a:pPr>
             <a:r>
-              <a:rPr lang="en-US" sz="1600"/>
-              <a:t>Crear un modelo de predicción de ventas</a:t>
-            </a:r>
-            <a:endParaRPr/>
+              <a:rPr lang="en-US" sz="1600" dirty="0" err="1"/>
+              <a:t>Crear</a:t>
+            </a:r>
+            <a:r>
+              <a:rPr lang="en-US" sz="1600" dirty="0"/>
+              <a:t> un </a:t>
+            </a:r>
+            <a:r>
+              <a:rPr lang="en-US" sz="1600" dirty="0" err="1"/>
+              <a:t>modelo</a:t>
+            </a:r>
+            <a:r>
+              <a:rPr lang="en-US" sz="1600" dirty="0"/>
+              <a:t> de </a:t>
+            </a:r>
+            <a:r>
+              <a:rPr lang="en-US" sz="1600" dirty="0" err="1"/>
+              <a:t>predicción</a:t>
+            </a:r>
+            <a:r>
+              <a:rPr lang="en-US" sz="1600" dirty="0"/>
+              <a:t> de </a:t>
+            </a:r>
+            <a:r>
+              <a:rPr lang="en-US" sz="1600" dirty="0" err="1"/>
+              <a:t>ventas</a:t>
+            </a:r>
+            <a:endParaRPr dirty="0"/>
           </a:p>
           <a:p>
             <a:pPr marL="0" lvl="0" indent="0" algn="l" rtl="0">
@@ -24895,10 +27367,18 @@
               <a:buNone/>
             </a:pPr>
             <a:r>
-              <a:rPr lang="en-US"/>
-              <a:t>Criterios de éxito</a:t>
-            </a:r>
-            <a:endParaRPr/>
+              <a:rPr lang="en-US" dirty="0" err="1"/>
+              <a:t>Criterios</a:t>
+            </a:r>
+            <a:r>
+              <a:rPr lang="en-US" dirty="0"/>
+              <a:t> de </a:t>
+            </a:r>
+            <a:r>
+              <a:rPr lang="en-US" dirty="0" err="1"/>
+              <a:t>éxito</a:t>
+            </a:r>
+            <a:endParaRPr dirty="0"/>
           </a:p>
           <a:p>
             <a:pPr marL="457200" lvl="0" indent="-323850" algn="l" rtl="0">
@@ -24918,10 +27398,74 @@
               <a:buAutoNum type="arabicPeriod"/>
             </a:pPr>
             <a:r>
-              <a:rPr lang="en-US" sz="1600"/>
-              <a:t>Identificar 3 clústeres de clientes de la compañía basados en su perfil de compras</a:t>
-            </a:r>
-            <a:endParaRPr/>
+              <a:rPr lang="en-US" sz="1600" dirty="0" err="1"/>
+              <a:t>Identificar</a:t>
+            </a:r>
+            <a:r>
+              <a:rPr lang="en-US" sz="1600" dirty="0"/>
+              <a:t> 3 </a:t>
+            </a:r>
+            <a:r>
+              <a:rPr lang="en-US" sz="1600" dirty="0" err="1"/>
+              <a:t>clústeres</a:t>
+            </a:r>
+            <a:r>
+              <a:rPr lang="en-US" sz="1600" dirty="0"/>
+              <a:t> de </a:t>
+            </a:r>
+            <a:r>
+              <a:rPr lang="en-US" sz="1600" dirty="0" err="1"/>
+              <a:t>clientes</a:t>
+            </a:r>
+            <a:r>
+              <a:rPr lang="en-US" sz="1600" dirty="0"/>
+              <a:t> de la </a:t>
+            </a:r>
+            <a:r>
+              <a:rPr lang="en-US" sz="1600" dirty="0" err="1"/>
+              <a:t>compañía</a:t>
+            </a:r>
+            <a:r>
+              <a:rPr lang="en-US" sz="1600" dirty="0"/>
+              <a:t> </a:t>
+            </a:r>
+            <a:r>
+              <a:rPr lang="en-US" sz="1600" dirty="0" err="1"/>
+              <a:t>basados</a:t>
+            </a:r>
+            <a:r>
+              <a:rPr lang="en-US" sz="1600" dirty="0"/>
+              <a:t> </a:t>
+            </a:r>
+            <a:r>
+              <a:rPr lang="en-US" sz="1600" dirty="0" err="1"/>
+              <a:t>en</a:t>
+            </a:r>
+            <a:r>
+              <a:rPr lang="en-US" sz="1600" dirty="0"/>
+              <a:t> </a:t>
+            </a:r>
+            <a:r>
+              <a:rPr lang="en-US" sz="1600" dirty="0" err="1"/>
+              <a:t>su</a:t>
+            </a:r>
+            <a:r>
+              <a:rPr lang="en-US" sz="1600" dirty="0"/>
+              <a:t> </a:t>
+            </a:r>
+            <a:r>
+              <a:rPr lang="en-US" sz="1600" dirty="0" err="1"/>
+              <a:t>perfil</a:t>
+            </a:r>
+            <a:r>
+              <a:rPr lang="en-US" sz="1600" dirty="0"/>
+              <a:t> de </a:t>
+            </a:r>
+            <a:r>
+              <a:rPr lang="en-US" sz="1600" dirty="0" err="1"/>
+              <a:t>compras</a:t>
+            </a:r>
+            <a:endParaRPr dirty="0"/>
           </a:p>
           <a:p>
             <a:pPr marL="457200" lvl="0" indent="-323850" algn="l" rtl="0">
@@ -24941,96 +27485,66 @@
               <a:buAutoNum type="arabicPeriod"/>
             </a:pPr>
             <a:r>
-              <a:rPr lang="en-US" sz="1600"/>
-              <a:t>Evaluar el modelo de predicción a fin de validar que la predicción se encuentre dentro de un 20% de las ventas reales</a:t>
-            </a:r>
-            <a:endParaRPr sz="1600"/>
-          </a:p>
-        </p:txBody>
-      </p:sp>
-      <p:sp>
-        <p:nvSpPr>
-          <p:cNvPr id="166" name="Google Shape;166;p5"/>
-          <p:cNvSpPr txBox="1"/>
-          <p:nvPr/>
-        </p:nvSpPr>
-        <p:spPr>
-          <a:xfrm>
-            <a:off x="9423293" y="6657945"/>
-            <a:ext cx="2768707" cy="200055"/>
-          </a:xfrm>
-          <a:prstGeom prst="rect">
-            <a:avLst/>
-          </a:prstGeom>
-          <a:solidFill>
-            <a:srgbClr val="000000"/>
-          </a:solidFill>
-          <a:ln>
-            <a:noFill/>
-          </a:ln>
-        </p:spPr>
-        <p:txBody>
-          <a:bodyPr spcFirstLastPara="1" wrap="square" lIns="91425" tIns="45700" rIns="91425" bIns="45700" anchor="t" anchorCtr="0">
-            <a:spAutoFit/>
-          </a:bodyPr>
-          <a:lstStyle/>
-          <a:p>
-            <a:pPr marL="0" marR="0" lvl="0" indent="0" algn="r" rtl="0">
-              <a:spcBef>
-                <a:spcPts val="0"/>
-              </a:spcBef>
-              <a:spcAft>
-                <a:spcPts val="0"/>
-              </a:spcAft>
-              <a:buNone/>
-            </a:pPr>
-            <a:r>
-              <a:rPr lang="en-US" sz="700" u="sng">
-                <a:solidFill>
-                  <a:srgbClr val="FFFFFF"/>
-                </a:solidFill>
-                <a:latin typeface="Avenir"/>
-                <a:ea typeface="Avenir"/>
-                <a:cs typeface="Avenir"/>
-                <a:sym typeface="Avenir"/>
-                <a:hlinkClick r:id="rId4"/>
-              </a:rPr>
-              <a:t>This Photo</a:t>
-            </a:r>
-            <a:r>
-              <a:rPr lang="en-US" sz="700">
-                <a:solidFill>
-                  <a:srgbClr val="FFFFFF"/>
-                </a:solidFill>
-                <a:latin typeface="Avenir"/>
-                <a:ea typeface="Avenir"/>
-                <a:cs typeface="Avenir"/>
-                <a:sym typeface="Avenir"/>
-              </a:rPr>
-              <a:t> by Unknown Author is licensed under </a:t>
-            </a:r>
-            <a:r>
-              <a:rPr lang="en-US" sz="700" u="sng">
-                <a:solidFill>
-                  <a:srgbClr val="FFFFFF"/>
-                </a:solidFill>
-                <a:latin typeface="Avenir"/>
-                <a:ea typeface="Avenir"/>
-                <a:cs typeface="Avenir"/>
-                <a:sym typeface="Avenir"/>
-                <a:hlinkClick r:id="rId5"/>
-              </a:rPr>
-              <a:t>CC BY-SA-NC</a:t>
-            </a:r>
-            <a:endParaRPr sz="700">
-              <a:solidFill>
-                <a:srgbClr val="FFFFFF"/>
-              </a:solidFill>
-              <a:latin typeface="Avenir"/>
-              <a:ea typeface="Avenir"/>
-              <a:cs typeface="Avenir"/>
-              <a:sym typeface="Avenir"/>
-            </a:endParaRPr>
+              <a:rPr lang="en-US" sz="1600" dirty="0" err="1"/>
+              <a:t>Evaluar</a:t>
+            </a:r>
+            <a:r>
+              <a:rPr lang="en-US" sz="1600" dirty="0"/>
+              <a:t> el </a:t>
+            </a:r>
+            <a:r>
+              <a:rPr lang="en-US" sz="1600" dirty="0" err="1"/>
+              <a:t>modelo</a:t>
+            </a:r>
+            <a:r>
+              <a:rPr lang="en-US" sz="1600" dirty="0"/>
+              <a:t> de </a:t>
+            </a:r>
+            <a:r>
+              <a:rPr lang="en-US" sz="1600" dirty="0" err="1"/>
+              <a:t>predicción</a:t>
+            </a:r>
+            <a:r>
+              <a:rPr lang="en-US" sz="1600" dirty="0"/>
+              <a:t> a fin de </a:t>
+            </a:r>
+            <a:r>
+              <a:rPr lang="en-US" sz="1600" dirty="0" err="1"/>
+              <a:t>validar</a:t>
+            </a:r>
+            <a:r>
+              <a:rPr lang="en-US" sz="1600" dirty="0"/>
+              <a:t> que la </a:t>
+            </a:r>
+            <a:r>
+              <a:rPr lang="en-US" sz="1600" dirty="0" err="1"/>
+              <a:t>predicción</a:t>
+            </a:r>
+            <a:r>
+              <a:rPr lang="en-US" sz="1600" dirty="0"/>
+              <a:t> se </a:t>
+            </a:r>
+            <a:r>
+              <a:rPr lang="en-US" sz="1600" dirty="0" err="1"/>
+              <a:t>encuentre</a:t>
+            </a:r>
+            <a:r>
+              <a:rPr lang="en-US" sz="1600" dirty="0"/>
+              <a:t> dentro de un 20% de las </a:t>
+            </a:r>
+            <a:r>
+              <a:rPr lang="en-US" sz="1600" dirty="0" err="1"/>
+              <a:t>ventas</a:t>
+            </a:r>
+            <a:r>
+              <a:rPr lang="en-US" sz="1600" dirty="0"/>
+              <a:t> </a:t>
+            </a:r>
+            <a:r>
+              <a:rPr lang="en-US" sz="1600" dirty="0" err="1"/>
+              <a:t>reales</a:t>
+            </a:r>
+            <a:endParaRPr sz="1600" dirty="0"/>
           </a:p>
         </p:txBody>
       </p:sp>
@@ -27355,7 +29869,7 @@
         </p:spPr>
         <p:txBody>
           <a:bodyPr spcFirstLastPara="1" wrap="square" lIns="91425" tIns="45700" rIns="91425" bIns="45700" anchor="t" anchorCtr="0">
-            <a:normAutofit/>
+            <a:normAutofit lnSpcReduction="10000"/>
           </a:bodyPr>
           <a:lstStyle/>
           <a:p>
@@ -27376,10 +29890,22 @@
               <a:buChar char="•"/>
             </a:pPr>
             <a:r>
-              <a:rPr lang="en-US" sz="2000"/>
-              <a:t>Clustering utilizando el valor RFM (Recency/Frequency/Monetary) del cliente</a:t>
-            </a:r>
-            <a:endParaRPr sz="2000"/>
+              <a:rPr lang="en-US" sz="2000" dirty="0"/>
+              <a:t>Clustering </a:t>
+            </a:r>
+            <a:r>
+              <a:rPr lang="en-US" sz="2000" dirty="0" err="1"/>
+              <a:t>utilizando</a:t>
+            </a:r>
+            <a:r>
+              <a:rPr lang="en-US" sz="2000" dirty="0"/>
+              <a:t> el valor RFM (Recency/Frequency/Monetary) del </a:t>
+            </a:r>
+            <a:r>
+              <a:rPr lang="en-US" sz="2000" dirty="0" err="1"/>
+              <a:t>cliente</a:t>
+            </a:r>
+            <a:endParaRPr sz="2000" dirty="0"/>
           </a:p>
           <a:p>
             <a:pPr marL="685800" lvl="1" indent="-228600" algn="l" rtl="0">
@@ -27399,10 +29925,38 @@
               <a:buChar char="•"/>
             </a:pPr>
             <a:r>
-              <a:rPr lang="en-US" sz="2000"/>
-              <a:t>Análisis de valor de un cliente en 3 dimensiones:</a:t>
-            </a:r>
-            <a:endParaRPr/>
+              <a:rPr lang="en-US" sz="2000" dirty="0" err="1"/>
+              <a:t>Análisis</a:t>
+            </a:r>
+            <a:r>
+              <a:rPr lang="en-US" sz="2000" dirty="0"/>
+              <a:t> de valor de un </a:t>
+            </a:r>
+            <a:r>
+              <a:rPr lang="en-US" sz="2000" dirty="0" err="1"/>
+              <a:t>cliente</a:t>
+            </a:r>
+            <a:r>
+              <a:rPr lang="en-US" sz="2000" dirty="0"/>
+              <a:t> </a:t>
+            </a:r>
+            <a:r>
+              <a:rPr lang="en-US" sz="2000" dirty="0" err="1"/>
+              <a:t>en</a:t>
+            </a:r>
+            <a:r>
+              <a:rPr lang="en-US" sz="2000" dirty="0"/>
+              <a:t> 3 </a:t>
+            </a:r>
+            <a:r>
+              <a:rPr lang="en-US" sz="2000" dirty="0" err="1"/>
+              <a:t>dimensiones</a:t>
+            </a:r>
+            <a:r>
+              <a:rPr lang="en-US" sz="2000" dirty="0"/>
+              <a:t>:</a:t>
+            </a:r>
+            <a:endParaRPr dirty="0"/>
           </a:p>
           <a:p>
             <a:pPr marL="1143000" lvl="2" indent="-228600" algn="l" rtl="0">
@@ -27422,18 +29976,50 @@
               <a:buChar char="•"/>
             </a:pPr>
             <a:r>
-              <a:rPr lang="en-US" sz="1600"/>
+              <a:rPr lang="en-US" sz="1600" dirty="0"/>
               <a:t> </a:t>
             </a:r>
             <a:r>
-              <a:rPr lang="en-US" sz="1600" b="1"/>
+              <a:rPr lang="en-US" sz="1600" b="1" dirty="0"/>
               <a:t>Recency</a:t>
             </a:r>
             <a:r>
-              <a:rPr lang="en-US" sz="1600"/>
-              <a:t> – Que tan reciente es la última compra del cliente?</a:t>
-            </a:r>
-            <a:endParaRPr/>
+              <a:rPr lang="en-US" sz="1600" dirty="0"/>
+              <a:t> – Que tan </a:t>
+            </a:r>
+            <a:r>
+              <a:rPr lang="en-US" sz="1600" dirty="0" err="1"/>
+              <a:t>reciente</a:t>
+            </a:r>
+            <a:r>
+              <a:rPr lang="en-US" sz="1600" dirty="0"/>
+              <a:t> es la </a:t>
+            </a:r>
+            <a:r>
+              <a:rPr lang="en-US" sz="1600" dirty="0" err="1"/>
+              <a:t>última</a:t>
+            </a:r>
+            <a:r>
+              <a:rPr lang="en-US" sz="1600" dirty="0"/>
+              <a:t> </a:t>
+            </a:r>
+            <a:r>
+              <a:rPr lang="en-US" sz="1600" dirty="0" err="1"/>
+              <a:t>compra</a:t>
+            </a:r>
+            <a:r>
+              <a:rPr lang="en-US" sz="1600" dirty="0"/>
+              <a:t> del </a:t>
+            </a:r>
+            <a:r>
+              <a:rPr lang="en-US" sz="1600" dirty="0" err="1"/>
+              <a:t>cliente</a:t>
+            </a:r>
+            <a:r>
+              <a:rPr lang="en-US" sz="1600" dirty="0"/>
+              <a:t>?</a:t>
+            </a:r>
+            <a:endParaRPr dirty="0"/>
           </a:p>
           <a:p>
             <a:pPr marL="1143000" lvl="2" indent="-228600" algn="l" rtl="0">
@@ -27453,18 +30039,34 @@
               <a:buChar char="•"/>
             </a:pPr>
             <a:r>
-              <a:rPr lang="en-US" sz="1600"/>
+              <a:rPr lang="en-US" sz="1600" dirty="0"/>
               <a:t> </a:t>
             </a:r>
             <a:r>
-              <a:rPr lang="en-US" sz="1600" b="1"/>
+              <a:rPr lang="en-US" sz="1600" b="1" dirty="0"/>
               <a:t>Frequency</a:t>
             </a:r>
             <a:r>
-              <a:rPr lang="en-US" sz="1600"/>
-              <a:t> – Que tan a menudo realizan una compra?</a:t>
-            </a:r>
-            <a:endParaRPr/>
+              <a:rPr lang="en-US" sz="1600" dirty="0"/>
+              <a:t> – Que tan a menudo </a:t>
+            </a:r>
+            <a:r>
+              <a:rPr lang="en-US" sz="1600" dirty="0" err="1"/>
+              <a:t>realizan</a:t>
+            </a:r>
+            <a:r>
+              <a:rPr lang="en-US" sz="1600" dirty="0"/>
+              <a:t> una </a:t>
+            </a:r>
+            <a:r>
+              <a:rPr lang="en-US" sz="1600" dirty="0" err="1"/>
+              <a:t>compra</a:t>
+            </a:r>
+            <a:r>
+              <a:rPr lang="en-US" sz="1600" dirty="0"/>
+              <a:t>?</a:t>
+            </a:r>
+            <a:endParaRPr dirty="0"/>
           </a:p>
           <a:p>
             <a:pPr marL="1143000" lvl="2" indent="-228600" algn="l" rtl="0">
@@ -27484,18 +30086,83 @@
               <a:buChar char="•"/>
             </a:pPr>
             <a:r>
-              <a:rPr lang="en-US" sz="1600"/>
+              <a:rPr lang="en-US" sz="1600" dirty="0"/>
               <a:t> </a:t>
             </a:r>
             <a:r>
-              <a:rPr lang="en-US" sz="1600" b="1"/>
+              <a:rPr lang="en-US" sz="1600" b="1" dirty="0"/>
               <a:t>Monetary Value </a:t>
             </a:r>
             <a:r>
-              <a:rPr lang="en-US" sz="1600"/>
-              <a:t>– Cuánto gasta en sus compras?</a:t>
-            </a:r>
-            <a:endParaRPr/>
+              <a:rPr lang="en-US" sz="1600" dirty="0"/>
+              <a:t>– </a:t>
+            </a:r>
+            <a:r>
+              <a:rPr lang="en-US" sz="1600" dirty="0" err="1"/>
+              <a:t>Cuánto</a:t>
+            </a:r>
+            <a:r>
+              <a:rPr lang="en-US" sz="1600" dirty="0"/>
+              <a:t> </a:t>
+            </a:r>
+            <a:r>
+              <a:rPr lang="en-US" sz="1600" dirty="0" err="1"/>
+              <a:t>gasta</a:t>
+            </a:r>
+            <a:r>
+              <a:rPr lang="en-US" sz="1600" dirty="0"/>
+              <a:t> </a:t>
+            </a:r>
+            <a:r>
+              <a:rPr lang="en-US" sz="1600" dirty="0" err="1"/>
+              <a:t>en</a:t>
+            </a:r>
+            <a:r>
+              <a:rPr lang="en-US" sz="1600" dirty="0"/>
+              <a:t> sus </a:t>
+            </a:r>
+            <a:r>
+              <a:rPr lang="en-US" sz="1600" dirty="0" err="1"/>
+              <a:t>compras</a:t>
+            </a:r>
+            <a:r>
+              <a:rPr lang="en-US" sz="1600" dirty="0"/>
+              <a:t>?</a:t>
+            </a:r>
+          </a:p>
+          <a:p>
+            <a:pPr marL="685800" lvl="1" indent="-228600">
+              <a:buSzPts val="1600"/>
+            </a:pPr>
+            <a:r>
+              <a:rPr lang="en-US" dirty="0" err="1"/>
+              <a:t>Utilizamos</a:t>
+            </a:r>
+            <a:r>
+              <a:rPr lang="en-US" dirty="0"/>
+              <a:t> </a:t>
+            </a:r>
+            <a:r>
+              <a:rPr lang="en-US" dirty="0" err="1"/>
+              <a:t>algunos</a:t>
+            </a:r>
+            <a:r>
+              <a:rPr lang="en-US" dirty="0"/>
+              <a:t> de los </a:t>
+            </a:r>
+            <a:r>
+              <a:rPr lang="en-US" dirty="0" err="1"/>
+              <a:t>datos</a:t>
+            </a:r>
+            <a:r>
+              <a:rPr lang="en-US" dirty="0"/>
+              <a:t> que genera el </a:t>
+            </a:r>
+            <a:r>
+              <a:rPr lang="en-US" dirty="0" err="1"/>
+              <a:t>modelo</a:t>
+            </a:r>
+            <a:endParaRPr dirty="0"/>
           </a:p>
           <a:p>
             <a:pPr marL="228600" lvl="0" indent="-228600" algn="l" rtl="0">
@@ -27515,10 +30182,34 @@
               <a:buChar char="•"/>
             </a:pPr>
             <a:r>
-              <a:rPr lang="en-US" sz="2000"/>
-              <a:t>Regresión utilizando los montos de las ventas</a:t>
-            </a:r>
-            <a:endParaRPr sz="2000"/>
+              <a:rPr lang="en-US" sz="2000" dirty="0" err="1"/>
+              <a:t>Regresión</a:t>
+            </a:r>
+            <a:r>
+              <a:rPr lang="en-US" sz="2000" dirty="0"/>
+              <a:t> </a:t>
+            </a:r>
+            <a:r>
+              <a:rPr lang="en-US" sz="2000" dirty="0" err="1"/>
+              <a:t>utilizando</a:t>
+            </a:r>
+            <a:r>
+              <a:rPr lang="en-US" sz="2000" dirty="0"/>
+              <a:t> los </a:t>
+            </a:r>
+            <a:r>
+              <a:rPr lang="en-US" sz="2000" dirty="0" err="1"/>
+              <a:t>montos</a:t>
+            </a:r>
+            <a:r>
+              <a:rPr lang="en-US" sz="2000" dirty="0"/>
+              <a:t> de las </a:t>
+            </a:r>
+            <a:r>
+              <a:rPr lang="en-US" sz="2000" dirty="0" err="1"/>
+              <a:t>ventas</a:t>
+            </a:r>
+            <a:endParaRPr sz="2000" dirty="0"/>
           </a:p>
         </p:txBody>
       </p:sp>
@@ -27578,7 +30269,13 @@
         <p:nvGraphicFramePr>
           <p:cNvPr id="199" name="Google Shape;199;p9"/>
           <p:cNvGraphicFramePr/>
-          <p:nvPr/>
+          <p:nvPr>
+            <p:extLst>
+              <p:ext uri="{D42A27DB-BD31-4B8C-83A1-F6EECF244321}">
+                <p14:modId xmlns:p14="http://schemas.microsoft.com/office/powerpoint/2010/main" val="2139823907"/>
+              </p:ext>
+            </p:extLst>
+          </p:nvPr>
         </p:nvGraphicFramePr>
         <p:xfrm>
           <a:off x="1116013" y="2478088"/>
@@ -27592,14 +30289,14 @@
                 <a:tableStyleId>{633C6C33-840E-4DDE-ADCB-0279A5CF8690}</a:tableStyleId>
               </a:tblPr>
               <a:tblGrid>
-                <a:gridCol w="2113275">
+                <a:gridCol w="2229353">
                   <a:extLst>
                     <a:ext uri="{9D8B030D-6E8A-4147-A177-3AD203B41FA5}">
                       <a16:colId xmlns:a16="http://schemas.microsoft.com/office/drawing/2014/main" val="20000"/>
                     </a:ext>
                   </a:extLst>
                 </a:gridCol>
-                <a:gridCol w="5083975">
+                <a:gridCol w="4967897">
                   <a:extLst>
                     <a:ext uri="{9D8B030D-6E8A-4147-A177-3AD203B41FA5}">
                       <a16:colId xmlns:a16="http://schemas.microsoft.com/office/drawing/2014/main" val="20001"/>
@@ -27729,10 +30426,10 @@
                         <a:buNone/>
                       </a:pPr>
                       <a:r>
-                        <a:rPr lang="en-US" sz="1800"/>
+                        <a:rPr lang="en-US" sz="1800" b="1" dirty="0" err="1"/>
                         <a:t>recency_days</a:t>
                       </a:r>
-                      <a:endParaRPr sz="1800"/>
+                      <a:endParaRPr sz="1800" b="1" dirty="0"/>
                     </a:p>
                   </a:txBody>
                   <a:tcPr marL="91450" marR="91450" marT="45725" marB="45725"/>
@@ -27782,10 +30479,10 @@
                         <a:buNone/>
                       </a:pPr>
                       <a:r>
-                        <a:rPr lang="en-US" sz="1800"/>
+                        <a:rPr lang="en-US" sz="1800" b="1" dirty="0" err="1"/>
                         <a:t>transaction_count</a:t>
                       </a:r>
-                      <a:endParaRPr sz="1800"/>
+                      <a:endParaRPr sz="1800" b="1" dirty="0"/>
                     </a:p>
                   </a:txBody>
                   <a:tcPr marL="91450" marR="91450" marT="45725" marB="45725"/>
@@ -27835,10 +30532,10 @@
                         <a:buNone/>
                       </a:pPr>
                       <a:r>
-                        <a:rPr lang="en-US" sz="1800"/>
+                        <a:rPr lang="en-US" sz="1800" b="1" dirty="0"/>
                         <a:t>Amount</a:t>
                       </a:r>
-                      <a:endParaRPr/>
+                      <a:endParaRPr b="1" dirty="0"/>
                     </a:p>
                   </a:txBody>
                   <a:tcPr marL="91450" marR="91450" marT="45725" marB="45725"/>
@@ -28105,7 +30802,7 @@
         <p:spPr>
           <a:xfrm>
             <a:off x="8534400" y="2400300"/>
-            <a:ext cx="2838450" cy="1200329"/>
+            <a:ext cx="2838450" cy="646290"/>
           </a:xfrm>
           <a:prstGeom prst="rect">
             <a:avLst/>
@@ -28131,7 +30828,7 @@
               <a:buNone/>
             </a:pPr>
             <a:r>
-              <a:rPr lang="en-US" sz="1800">
+              <a:rPr lang="en-US" sz="1800" dirty="0" err="1">
                 <a:solidFill>
                   <a:schemeClr val="dk1"/>
                 </a:solidFill>
@@ -28140,9 +30837,69 @@
                 <a:cs typeface="Avenir"/>
                 <a:sym typeface="Avenir"/>
               </a:rPr>
-              <a:t>Información obtenida de la aplicacion de RFM, en base a la cual creamos los clústers</a:t>
-            </a:r>
-            <a:endParaRPr sz="1800">
+              <a:t>Información</a:t>
+            </a:r>
+            <a:r>
+              <a:rPr lang="en-US" sz="1800" dirty="0">
+                <a:solidFill>
+                  <a:schemeClr val="dk1"/>
+                </a:solidFill>
+                <a:latin typeface="Avenir"/>
+                <a:ea typeface="Avenir"/>
+                <a:cs typeface="Avenir"/>
+                <a:sym typeface="Avenir"/>
+              </a:rPr>
+              <a:t> </a:t>
+            </a:r>
+            <a:r>
+              <a:rPr lang="en-US" sz="1800" dirty="0" err="1">
+                <a:solidFill>
+                  <a:schemeClr val="dk1"/>
+                </a:solidFill>
+                <a:latin typeface="Avenir"/>
+                <a:ea typeface="Avenir"/>
+                <a:cs typeface="Avenir"/>
+                <a:sym typeface="Avenir"/>
+              </a:rPr>
+              <a:t>obtenida</a:t>
+            </a:r>
+            <a:r>
+              <a:rPr lang="en-US" sz="1800" dirty="0">
+                <a:solidFill>
+                  <a:schemeClr val="dk1"/>
+                </a:solidFill>
+                <a:latin typeface="Avenir"/>
+                <a:ea typeface="Avenir"/>
+                <a:cs typeface="Avenir"/>
+                <a:sym typeface="Avenir"/>
+              </a:rPr>
+              <a:t> del </a:t>
+            </a:r>
+            <a:r>
+              <a:rPr lang="en-US" sz="1800" dirty="0" err="1">
+                <a:solidFill>
+                  <a:schemeClr val="dk1"/>
+                </a:solidFill>
+                <a:latin typeface="Avenir"/>
+                <a:ea typeface="Avenir"/>
+                <a:cs typeface="Avenir"/>
+                <a:sym typeface="Avenir"/>
+              </a:rPr>
+              <a:t>paquete</a:t>
+            </a:r>
+            <a:r>
+              <a:rPr lang="en-US" sz="1800" dirty="0">
+                <a:solidFill>
+                  <a:schemeClr val="dk1"/>
+                </a:solidFill>
+                <a:latin typeface="Avenir"/>
+                <a:ea typeface="Avenir"/>
+                <a:cs typeface="Avenir"/>
+                <a:sym typeface="Avenir"/>
+              </a:rPr>
+              <a:t> RFM</a:t>
+            </a:r>
+            <a:endParaRPr sz="1800" dirty="0">
               <a:solidFill>
                 <a:schemeClr val="dk1"/>
               </a:solidFill>
@@ -28514,6 +31271,77 @@
               <a:t>datos</a:t>
             </a:r>
             <a:endParaRPr dirty="0"/>
+          </a:p>
+        </p:txBody>
+      </p:sp>
+      <p:pic>
+        <p:nvPicPr>
+          <p:cNvPr id="9" name="Picture 8">
+            <a:extLst>
+              <a:ext uri="{FF2B5EF4-FFF2-40B4-BE49-F238E27FC236}">
+                <a16:creationId xmlns:a16="http://schemas.microsoft.com/office/drawing/2014/main" id="{CFF11380-5AD4-4EBC-B9B5-D10D1F5F1353}"/>
+              </a:ext>
+            </a:extLst>
+          </p:cNvPr>
+          <p:cNvPicPr>
+            <a:picLocks noChangeAspect="1"/>
+          </p:cNvPicPr>
+          <p:nvPr/>
+        </p:nvPicPr>
+        <p:blipFill>
+          <a:blip r:embed="rId3"/>
+          <a:stretch>
+            <a:fillRect/>
+          </a:stretch>
+        </p:blipFill>
+        <p:spPr>
+          <a:xfrm>
+            <a:off x="8733263" y="3122408"/>
+            <a:ext cx="2440723" cy="3054523"/>
+          </a:xfrm>
+          <a:prstGeom prst="rect">
+            <a:avLst/>
+          </a:prstGeom>
+        </p:spPr>
+      </p:pic>
+      <p:sp>
+        <p:nvSpPr>
+          <p:cNvPr id="2" name="TextBox 1">
+            <a:extLst>
+              <a:ext uri="{FF2B5EF4-FFF2-40B4-BE49-F238E27FC236}">
+                <a16:creationId xmlns:a16="http://schemas.microsoft.com/office/drawing/2014/main" id="{9330DEF0-E1A3-4401-BA74-ABFE98CAD3B7}"/>
+              </a:ext>
+            </a:extLst>
+          </p:cNvPr>
+          <p:cNvSpPr txBox="1"/>
+          <p:nvPr/>
+        </p:nvSpPr>
+        <p:spPr>
+          <a:xfrm>
+            <a:off x="1115568" y="6327032"/>
+            <a:ext cx="4240263" cy="307777"/>
+          </a:xfrm>
+          <a:prstGeom prst="rect">
+            <a:avLst/>
+          </a:prstGeom>
+          <a:noFill/>
+        </p:spPr>
+        <p:txBody>
+          <a:bodyPr wrap="none" rtlCol="0">
+            <a:spAutoFit/>
+          </a:bodyPr>
+          <a:lstStyle/>
+          <a:p>
+            <a:r>
+              <a:rPr lang="en-US" dirty="0">
+                <a:hlinkClick r:id="rId4"/>
+              </a:rPr>
+              <a:t>https://cran.r-project.org/web/packages/rfm/rfm.pdf</a:t>
+            </a:r>
+            <a:r>
+              <a:rPr lang="en-US" dirty="0"/>
+              <a:t> </a:t>
+            </a:r>
           </a:p>
         </p:txBody>
       </p:sp>

--- a/05_Mineria_De_Datos/ProyectoFinal/Proyecto Mineria de Datos.pptx
+++ b/05_Mineria_De_Datos/ProyectoFinal/Proyecto Mineria de Datos.pptx
@@ -265,7 +265,7 @@
       <p15:sldGuideLst xmlns:p15="http://schemas.microsoft.com/office/powerpoint/2012/main"/>
     </p:ext>
     <p:ext uri="http://customooxmlschemas.google.com/">
-      <go:slidesCustomData xmlns="" xmlns:mc="http://schemas.openxmlformats.org/markup-compatibility/2006" xmlns:mv="urn:schemas-microsoft-com:mac:vml" xmlns:c="http://schemas.openxmlformats.org/drawingml/2006/chart" xmlns:dgm="http://schemas.openxmlformats.org/drawingml/2006/diagram" xmlns:o="urn:schemas-microsoft-com:office:office" xmlns:v="urn:schemas-microsoft-com:vml" xmlns:pvml="urn:schemas-microsoft-com:office:powerpoint" xmlns:com="http://schemas.openxmlformats.org/drawingml/2006/compatibility" xmlns:p14="http://schemas.microsoft.com/office/powerpoint/2010/main" xmlns:p15="http://schemas.microsoft.com/office/powerpoint/2012/main" xmlns:go="http://customooxmlschemas.google.com/" r:id="rId23" roundtripDataSignature="AMtx7mjx0UdlmdacI7Fe/GkP4WwI2BgW2Q=="/>
+      <go:slidesCustomData xmlns:go="http://customooxmlschemas.google.com/" xmlns:p15="http://schemas.microsoft.com/office/powerpoint/2012/main" xmlns:p14="http://schemas.microsoft.com/office/powerpoint/2010/main" xmlns:com="http://schemas.openxmlformats.org/drawingml/2006/compatibility" xmlns:pvml="urn:schemas-microsoft-com:office:powerpoint" xmlns:v="urn:schemas-microsoft-com:vml" xmlns:o="urn:schemas-microsoft-com:office:office" xmlns:dgm="http://schemas.openxmlformats.org/drawingml/2006/diagram" xmlns:c="http://schemas.openxmlformats.org/drawingml/2006/chart" xmlns:mv="urn:schemas-microsoft-com:mac:vml" xmlns:mc="http://schemas.openxmlformats.org/markup-compatibility/2006" xmlns="" r:id="rId23" roundtripDataSignature="AMtx7mjx0UdlmdacI7Fe/GkP4WwI2BgW2Q=="/>
     </p:ext>
   </p:extLst>
 </p:presentation>
@@ -274,7 +274,7 @@
 <file path=ppt/revisionInfo.xml><?xml version="1.0" encoding="utf-8"?>
 <p1510:revInfo xmlns:a="http://schemas.openxmlformats.org/drawingml/2006/main" xmlns:r="http://schemas.openxmlformats.org/officeDocument/2006/relationships" xmlns:p1510="http://schemas.microsoft.com/office/powerpoint/2015/10/main">
   <p1510:revLst>
-    <p1510:client id="{37B865AB-2315-43C0-AD4C-16E4559F7C7A}" v="27" dt="2020-06-01T03:22:54.189"/>
+    <p1510:client id="{37B865AB-2315-43C0-AD4C-16E4559F7C7A}" v="36" dt="2020-06-01T15:35:21.249"/>
   </p1510:revLst>
 </p1510:revInfo>
 </file>
@@ -284,7 +284,7 @@
   <pc:docChgLst>
     <pc:chgData name="Jose Aguilar" userId="4edcd7cbe4616803" providerId="LiveId" clId="{37B865AB-2315-43C0-AD4C-16E4559F7C7A}"/>
     <pc:docChg chg="undo custSel addSld delSld modSld">
-      <pc:chgData name="Jose Aguilar" userId="4edcd7cbe4616803" providerId="LiveId" clId="{37B865AB-2315-43C0-AD4C-16E4559F7C7A}" dt="2020-06-01T03:26:10.993" v="1294" actId="478"/>
+      <pc:chgData name="Jose Aguilar" userId="4edcd7cbe4616803" providerId="LiveId" clId="{37B865AB-2315-43C0-AD4C-16E4559F7C7A}" dt="2020-06-01T15:35:54.451" v="1315" actId="1036"/>
       <pc:docMkLst>
         <pc:docMk/>
       </pc:docMkLst>
@@ -505,6 +505,45 @@
           </ac:picMkLst>
         </pc:picChg>
       </pc:sldChg>
+      <pc:sldChg chg="addSp delSp modSp mod">
+        <pc:chgData name="Jose Aguilar" userId="4edcd7cbe4616803" providerId="LiveId" clId="{37B865AB-2315-43C0-AD4C-16E4559F7C7A}" dt="2020-06-01T15:35:21.248" v="1305" actId="14100"/>
+        <pc:sldMkLst>
+          <pc:docMk/>
+          <pc:sldMk cId="268223577" sldId="269"/>
+        </pc:sldMkLst>
+        <pc:picChg chg="del">
+          <ac:chgData name="Jose Aguilar" userId="4edcd7cbe4616803" providerId="LiveId" clId="{37B865AB-2315-43C0-AD4C-16E4559F7C7A}" dt="2020-06-01T15:34:29.968" v="1295" actId="478"/>
+          <ac:picMkLst>
+            <pc:docMk/>
+            <pc:sldMk cId="268223577" sldId="269"/>
+            <ac:picMk id="11" creationId="{411D7DCD-8B86-473A-9A6B-DDE6934A7AA1}"/>
+          </ac:picMkLst>
+        </pc:picChg>
+        <pc:picChg chg="del">
+          <ac:chgData name="Jose Aguilar" userId="4edcd7cbe4616803" providerId="LiveId" clId="{37B865AB-2315-43C0-AD4C-16E4559F7C7A}" dt="2020-06-01T15:34:47.655" v="1299" actId="478"/>
+          <ac:picMkLst>
+            <pc:docMk/>
+            <pc:sldMk cId="268223577" sldId="269"/>
+            <ac:picMk id="12" creationId="{E2A4EAE8-244B-499D-A440-2691BF326096}"/>
+          </ac:picMkLst>
+        </pc:picChg>
+        <pc:picChg chg="add mod">
+          <ac:chgData name="Jose Aguilar" userId="4edcd7cbe4616803" providerId="LiveId" clId="{37B865AB-2315-43C0-AD4C-16E4559F7C7A}" dt="2020-06-01T15:35:21.248" v="1305" actId="14100"/>
+          <ac:picMkLst>
+            <pc:docMk/>
+            <pc:sldMk cId="268223577" sldId="269"/>
+            <ac:picMk id="1026" creationId="{2701E393-1B98-4F5D-98C2-E249EF90D590}"/>
+          </ac:picMkLst>
+        </pc:picChg>
+        <pc:picChg chg="add mod">
+          <ac:chgData name="Jose Aguilar" userId="4edcd7cbe4616803" providerId="LiveId" clId="{37B865AB-2315-43C0-AD4C-16E4559F7C7A}" dt="2020-06-01T15:35:14.853" v="1303" actId="1076"/>
+          <ac:picMkLst>
+            <pc:docMk/>
+            <pc:sldMk cId="268223577" sldId="269"/>
+            <ac:picMk id="1028" creationId="{BC6207AE-2FD7-4FFB-A57D-983496975A34}"/>
+          </ac:picMkLst>
+        </pc:picChg>
+      </pc:sldChg>
       <pc:sldChg chg="del">
         <pc:chgData name="Jose Aguilar" userId="4edcd7cbe4616803" providerId="LiveId" clId="{37B865AB-2315-43C0-AD4C-16E4559F7C7A}" dt="2020-06-01T03:08:22.258" v="1081" actId="47"/>
         <pc:sldMkLst>
@@ -568,7 +607,7 @@
         </pc:picChg>
       </pc:sldChg>
       <pc:sldChg chg="addSp delSp modSp add mod">
-        <pc:chgData name="Jose Aguilar" userId="4edcd7cbe4616803" providerId="LiveId" clId="{37B865AB-2315-43C0-AD4C-16E4559F7C7A}" dt="2020-06-01T03:08:18.070" v="1080" actId="20577"/>
+        <pc:chgData name="Jose Aguilar" userId="4edcd7cbe4616803" providerId="LiveId" clId="{37B865AB-2315-43C0-AD4C-16E4559F7C7A}" dt="2020-06-01T15:35:54.451" v="1315" actId="1036"/>
         <pc:sldMkLst>
           <pc:docMk/>
           <pc:sldMk cId="1637354507" sldId="275"/>
@@ -622,7 +661,7 @@
           </ac:picMkLst>
         </pc:picChg>
         <pc:picChg chg="add mod">
-          <ac:chgData name="Jose Aguilar" userId="4edcd7cbe4616803" providerId="LiveId" clId="{37B865AB-2315-43C0-AD4C-16E4559F7C7A}" dt="2020-06-01T03:07:23.123" v="862" actId="1076"/>
+          <ac:chgData name="Jose Aguilar" userId="4edcd7cbe4616803" providerId="LiveId" clId="{37B865AB-2315-43C0-AD4C-16E4559F7C7A}" dt="2020-06-01T15:35:54.451" v="1315" actId="1036"/>
           <ac:picMkLst>
             <pc:docMk/>
             <pc:sldMk cId="1637354507" sldId="275"/>
@@ -23098,62 +23137,96 @@
       </p:sp>
       <p:pic>
         <p:nvPicPr>
-          <p:cNvPr id="11" name="Picture 10">
+          <p:cNvPr id="1026" name="Picture 2">
             <a:extLst>
               <a:ext uri="{FF2B5EF4-FFF2-40B4-BE49-F238E27FC236}">
-                <a16:creationId xmlns:a16="http://schemas.microsoft.com/office/drawing/2014/main" id="{411D7DCD-8B86-473A-9A6B-DDE6934A7AA1}"/>
+                <a16:creationId xmlns:a16="http://schemas.microsoft.com/office/drawing/2014/main" id="{2701E393-1B98-4F5D-98C2-E249EF90D590}"/>
               </a:ext>
             </a:extLst>
           </p:cNvPr>
           <p:cNvPicPr>
-            <a:picLocks noChangeAspect="1"/>
+            <a:picLocks noChangeAspect="1" noChangeArrowheads="1"/>
           </p:cNvPicPr>
           <p:nvPr/>
         </p:nvPicPr>
         <p:blipFill>
-          <a:blip r:embed="rId3"/>
+          <a:blip r:embed="rId3">
+            <a:extLst>
+              <a:ext uri="{28A0092B-C50C-407E-A947-70E740481C1C}">
+                <a14:useLocalDpi xmlns:a14="http://schemas.microsoft.com/office/drawing/2010/main" val="0"/>
+              </a:ext>
+            </a:extLst>
+          </a:blip>
+          <a:srcRect/>
           <a:stretch>
             <a:fillRect/>
           </a:stretch>
         </p:blipFill>
-        <p:spPr>
+        <p:spPr bwMode="auto">
           <a:xfrm>
-            <a:off x="827773" y="3429000"/>
-            <a:ext cx="4402956" cy="3255377"/>
+            <a:off x="184628" y="3189436"/>
+            <a:ext cx="5705111" cy="3260063"/>
           </a:xfrm>
           <a:prstGeom prst="rect">
             <a:avLst/>
           </a:prstGeom>
+          <a:noFill/>
+          <a:extLst>
+            <a:ext uri="{909E8E84-426E-40DD-AFC4-6F175D3DCCD1}">
+              <a14:hiddenFill xmlns:a14="http://schemas.microsoft.com/office/drawing/2010/main">
+                <a:solidFill>
+                  <a:srgbClr val="FFFFFF"/>
+                </a:solidFill>
+              </a14:hiddenFill>
+            </a:ext>
+          </a:extLst>
         </p:spPr>
       </p:pic>
       <p:pic>
         <p:nvPicPr>
-          <p:cNvPr id="12" name="Picture 11">
+          <p:cNvPr id="1028" name="Picture 4">
             <a:extLst>
               <a:ext uri="{FF2B5EF4-FFF2-40B4-BE49-F238E27FC236}">
-                <a16:creationId xmlns:a16="http://schemas.microsoft.com/office/drawing/2014/main" id="{E2A4EAE8-244B-499D-A440-2691BF326096}"/>
+                <a16:creationId xmlns:a16="http://schemas.microsoft.com/office/drawing/2014/main" id="{BC6207AE-2FD7-4FFB-A57D-983496975A34}"/>
               </a:ext>
             </a:extLst>
           </p:cNvPr>
           <p:cNvPicPr>
-            <a:picLocks noChangeAspect="1"/>
+            <a:picLocks noChangeAspect="1" noChangeArrowheads="1"/>
           </p:cNvPicPr>
           <p:nvPr/>
         </p:nvPicPr>
         <p:blipFill>
-          <a:blip r:embed="rId4"/>
+          <a:blip r:embed="rId4">
+            <a:extLst>
+              <a:ext uri="{28A0092B-C50C-407E-A947-70E740481C1C}">
+                <a14:useLocalDpi xmlns:a14="http://schemas.microsoft.com/office/drawing/2010/main" val="0"/>
+              </a:ext>
+            </a:extLst>
+          </a:blip>
+          <a:srcRect/>
           <a:stretch>
             <a:fillRect/>
           </a:stretch>
         </p:blipFill>
-        <p:spPr>
+        <p:spPr bwMode="auto">
           <a:xfrm>
-            <a:off x="6103118" y="3413066"/>
-            <a:ext cx="4402957" cy="3271311"/>
+            <a:off x="6053328" y="3267269"/>
+            <a:ext cx="5568903" cy="3182230"/>
           </a:xfrm>
           <a:prstGeom prst="rect">
             <a:avLst/>
           </a:prstGeom>
+          <a:noFill/>
+          <a:extLst>
+            <a:ext uri="{909E8E84-426E-40DD-AFC4-6F175D3DCCD1}">
+              <a14:hiddenFill xmlns:a14="http://schemas.microsoft.com/office/drawing/2010/main">
+                <a:solidFill>
+                  <a:srgbClr val="FFFFFF"/>
+                </a:solidFill>
+              </a14:hiddenFill>
+            </a:ext>
+          </a:extLst>
         </p:spPr>
       </p:pic>
     </p:spTree>
@@ -25328,7 +25401,7 @@
         </p:blipFill>
         <p:spPr>
           <a:xfrm>
-            <a:off x="1913374" y="3906283"/>
+            <a:off x="1913374" y="3975033"/>
             <a:ext cx="7597798" cy="1127858"/>
           </a:xfrm>
           <a:prstGeom prst="rect">

--- a/05_Mineria_De_Datos/ProyectoFinal/Proyecto Mineria de Datos.pptx
+++ b/05_Mineria_De_Datos/ProyectoFinal/Proyecto Mineria de Datos.pptx
@@ -265,7 +265,7 @@
       <p15:sldGuideLst xmlns:p15="http://schemas.microsoft.com/office/powerpoint/2012/main"/>
     </p:ext>
     <p:ext uri="http://customooxmlschemas.google.com/">
-      <go:slidesCustomData xmlns:go="http://customooxmlschemas.google.com/" xmlns:p15="http://schemas.microsoft.com/office/powerpoint/2012/main" xmlns:p14="http://schemas.microsoft.com/office/powerpoint/2010/main" xmlns:com="http://schemas.openxmlformats.org/drawingml/2006/compatibility" xmlns:pvml="urn:schemas-microsoft-com:office:powerpoint" xmlns:v="urn:schemas-microsoft-com:vml" xmlns:o="urn:schemas-microsoft-com:office:office" xmlns:dgm="http://schemas.openxmlformats.org/drawingml/2006/diagram" xmlns:c="http://schemas.openxmlformats.org/drawingml/2006/chart" xmlns:mv="urn:schemas-microsoft-com:mac:vml" xmlns:mc="http://schemas.openxmlformats.org/markup-compatibility/2006" xmlns="" r:id="rId23" roundtripDataSignature="AMtx7mjx0UdlmdacI7Fe/GkP4WwI2BgW2Q=="/>
+      <go:slidesCustomData xmlns="" xmlns:mc="http://schemas.openxmlformats.org/markup-compatibility/2006" xmlns:mv="urn:schemas-microsoft-com:mac:vml" xmlns:c="http://schemas.openxmlformats.org/drawingml/2006/chart" xmlns:dgm="http://schemas.openxmlformats.org/drawingml/2006/diagram" xmlns:o="urn:schemas-microsoft-com:office:office" xmlns:v="urn:schemas-microsoft-com:vml" xmlns:pvml="urn:schemas-microsoft-com:office:powerpoint" xmlns:com="http://schemas.openxmlformats.org/drawingml/2006/compatibility" xmlns:p14="http://schemas.microsoft.com/office/powerpoint/2010/main" xmlns:p15="http://schemas.microsoft.com/office/powerpoint/2012/main" xmlns:go="http://customooxmlschemas.google.com/" r:id="rId23" roundtripDataSignature="AMtx7mjx0UdlmdacI7Fe/GkP4WwI2BgW2Q=="/>
     </p:ext>
   </p:extLst>
 </p:presentation>
@@ -26738,10 +26738,10 @@
               <a:buNone/>
             </a:pPr>
             <a:r>
-              <a:rPr lang="en-US" sz="2170" b="1"/>
+              <a:rPr lang="en-US" sz="2170" b="1" dirty="0" err="1"/>
               <a:t>Restricciones</a:t>
             </a:r>
-            <a:endParaRPr sz="2170" b="1"/>
+            <a:endParaRPr sz="2170" b="1" dirty="0"/>
           </a:p>
           <a:p>
             <a:pPr marL="457200" lvl="0" indent="-323850" algn="l" rtl="0">
@@ -26761,10 +26761,34 @@
               <a:buAutoNum type="arabicPeriod"/>
             </a:pPr>
             <a:r>
-              <a:rPr lang="en-US" sz="2170"/>
-              <a:t>1 año de datos históricos.</a:t>
-            </a:r>
-            <a:endParaRPr/>
+              <a:rPr lang="en-US" sz="2170" dirty="0"/>
+              <a:t>1 </a:t>
+            </a:r>
+            <a:r>
+              <a:rPr lang="en-US" sz="2170" dirty="0" err="1"/>
+              <a:t>año</a:t>
+            </a:r>
+            <a:r>
+              <a:rPr lang="en-US" sz="2170" dirty="0"/>
+              <a:t> de </a:t>
+            </a:r>
+            <a:r>
+              <a:rPr lang="en-US" sz="2170" dirty="0" err="1"/>
+              <a:t>datos</a:t>
+            </a:r>
+            <a:r>
+              <a:rPr lang="en-US" sz="2170" dirty="0"/>
+              <a:t> </a:t>
+            </a:r>
+            <a:r>
+              <a:rPr lang="en-US" sz="2170" dirty="0" err="1"/>
+              <a:t>históricos</a:t>
+            </a:r>
+            <a:r>
+              <a:rPr lang="en-US" sz="2170" dirty="0"/>
+              <a:t>.</a:t>
+            </a:r>
+            <a:endParaRPr dirty="0"/>
           </a:p>
           <a:p>
             <a:pPr marL="457200" lvl="0" indent="-323850" algn="l" rtl="0">
@@ -26784,10 +26808,38 @@
               <a:buAutoNum type="arabicPeriod"/>
             </a:pPr>
             <a:r>
-              <a:rPr lang="en-US" sz="2170"/>
-              <a:t>Información limitada por motivos de privacidad.</a:t>
-            </a:r>
-            <a:endParaRPr/>
+              <a:rPr lang="en-US" sz="2170" dirty="0" err="1"/>
+              <a:t>Información</a:t>
+            </a:r>
+            <a:r>
+              <a:rPr lang="en-US" sz="2170" dirty="0"/>
+              <a:t> </a:t>
+            </a:r>
+            <a:r>
+              <a:rPr lang="en-US" sz="2170" dirty="0" err="1"/>
+              <a:t>limitada</a:t>
+            </a:r>
+            <a:r>
+              <a:rPr lang="en-US" sz="2170" dirty="0"/>
+              <a:t> por </a:t>
+            </a:r>
+            <a:r>
+              <a:rPr lang="en-US" sz="2170" dirty="0" err="1"/>
+              <a:t>motivos</a:t>
+            </a:r>
+            <a:r>
+              <a:rPr lang="en-US" sz="2170" dirty="0"/>
+              <a:t> de </a:t>
+            </a:r>
+            <a:r>
+              <a:rPr lang="en-US" sz="2170" dirty="0" err="1"/>
+              <a:t>privacidad</a:t>
+            </a:r>
+            <a:r>
+              <a:rPr lang="en-US" sz="2170" dirty="0"/>
+              <a:t>.</a:t>
+            </a:r>
+            <a:endParaRPr dirty="0"/>
           </a:p>
           <a:p>
             <a:pPr marL="457200" lvl="0" indent="-323850" algn="l" rtl="0">
@@ -26807,10 +26859,30 @@
               <a:buAutoNum type="arabicPeriod"/>
             </a:pPr>
             <a:r>
-              <a:rPr lang="en-US" sz="2170"/>
-              <a:t>No se cuentan con categorías de productos</a:t>
-            </a:r>
-            <a:endParaRPr sz="1395">
+              <a:rPr lang="en-US" sz="2170" dirty="0"/>
+              <a:t>No se </a:t>
+            </a:r>
+            <a:r>
+              <a:rPr lang="en-US" sz="2170" dirty="0" err="1"/>
+              <a:t>cuentan</a:t>
+            </a:r>
+            <a:r>
+              <a:rPr lang="en-US" sz="2170" dirty="0"/>
+              <a:t> con </a:t>
+            </a:r>
+            <a:r>
+              <a:rPr lang="en-US" sz="2170" dirty="0" err="1"/>
+              <a:t>categorías</a:t>
+            </a:r>
+            <a:r>
+              <a:rPr lang="en-US" sz="2170" dirty="0"/>
+              <a:t> de </a:t>
+            </a:r>
+            <a:r>
+              <a:rPr lang="en-US" sz="2170" dirty="0" err="1"/>
+              <a:t>productos</a:t>
+            </a:r>
+            <a:endParaRPr sz="1395" dirty="0">
               <a:solidFill>
                 <a:srgbClr val="000000"/>
               </a:solidFill>
@@ -26838,10 +26910,10 @@
               <a:buNone/>
             </a:pPr>
             <a:r>
-              <a:rPr lang="en-US" sz="2170" b="1"/>
+              <a:rPr lang="en-US" sz="2170" b="1" dirty="0" err="1"/>
               <a:t>Beneficios</a:t>
             </a:r>
-            <a:endParaRPr sz="2170" b="1"/>
+            <a:endParaRPr sz="2170" b="1" dirty="0"/>
           </a:p>
           <a:p>
             <a:pPr marL="457200" lvl="0" indent="-323850" algn="l" rtl="0">
@@ -26861,10 +26933,54 @@
               <a:buAutoNum type="arabicPeriod"/>
             </a:pPr>
             <a:r>
-              <a:rPr lang="en-US" sz="2170"/>
-              <a:t>Mejor proyección de presupuestas al tener una estimación de ventas.</a:t>
-            </a:r>
-            <a:endParaRPr/>
+              <a:rPr lang="en-US" sz="2170" dirty="0" err="1"/>
+              <a:t>Mejor</a:t>
+            </a:r>
+            <a:r>
+              <a:rPr lang="en-US" sz="2170" dirty="0"/>
+              <a:t> </a:t>
+            </a:r>
+            <a:r>
+              <a:rPr lang="en-US" sz="2170" dirty="0" err="1"/>
+              <a:t>proyección</a:t>
+            </a:r>
+            <a:r>
+              <a:rPr lang="en-US" sz="2170" dirty="0"/>
+              <a:t> de </a:t>
+            </a:r>
+            <a:r>
+              <a:rPr lang="en-US" sz="2170" dirty="0" err="1"/>
+              <a:t>presupuestas</a:t>
+            </a:r>
+            <a:r>
+              <a:rPr lang="en-US" sz="2170" dirty="0"/>
+              <a:t> al </a:t>
+            </a:r>
+            <a:r>
+              <a:rPr lang="en-US" sz="2170" dirty="0" err="1"/>
+              <a:t>tener</a:t>
+            </a:r>
+            <a:r>
+              <a:rPr lang="en-US" sz="2170" dirty="0"/>
+              <a:t> una </a:t>
+            </a:r>
+            <a:r>
+              <a:rPr lang="en-US" sz="2170" dirty="0" err="1"/>
+              <a:t>estimación</a:t>
+            </a:r>
+            <a:r>
+              <a:rPr lang="en-US" sz="2170" dirty="0"/>
+              <a:t> de </a:t>
+            </a:r>
+            <a:r>
+              <a:rPr lang="en-US" sz="2170" dirty="0" err="1"/>
+              <a:t>ventas</a:t>
+            </a:r>
+            <a:r>
+              <a:rPr lang="en-US" sz="2170" dirty="0"/>
+              <a:t>.</a:t>
+            </a:r>
+            <a:endParaRPr dirty="0"/>
           </a:p>
           <a:p>
             <a:pPr marL="457200" lvl="0" indent="-323850" algn="l" rtl="0">
@@ -26884,10 +27000,42 @@
               <a:buAutoNum type="arabicPeriod"/>
             </a:pPr>
             <a:r>
-              <a:rPr lang="en-US" sz="2170"/>
-              <a:t>Mejora en la tasa de retención de clientes</a:t>
-            </a:r>
-            <a:endParaRPr/>
+              <a:rPr lang="en-US" sz="2170" dirty="0" err="1"/>
+              <a:t>Mejora</a:t>
+            </a:r>
+            <a:r>
+              <a:rPr lang="en-US" sz="2170" dirty="0"/>
+              <a:t> </a:t>
+            </a:r>
+            <a:r>
+              <a:rPr lang="en-US" sz="2170" dirty="0" err="1"/>
+              <a:t>en</a:t>
+            </a:r>
+            <a:r>
+              <a:rPr lang="en-US" sz="2170" dirty="0"/>
+              <a:t> la </a:t>
+            </a:r>
+            <a:r>
+              <a:rPr lang="en-US" sz="2170" dirty="0" err="1"/>
+              <a:t>tasa</a:t>
+            </a:r>
+            <a:r>
+              <a:rPr lang="en-US" sz="2170" dirty="0"/>
+              <a:t> de </a:t>
+            </a:r>
+            <a:r>
+              <a:rPr lang="en-US" sz="2170" dirty="0" err="1"/>
+              <a:t>retención</a:t>
+            </a:r>
+            <a:r>
+              <a:rPr lang="en-US" sz="2170" dirty="0"/>
+              <a:t> de </a:t>
+            </a:r>
+            <a:r>
+              <a:rPr lang="en-US" sz="2170" dirty="0" err="1"/>
+              <a:t>clientes</a:t>
+            </a:r>
+            <a:endParaRPr dirty="0"/>
           </a:p>
           <a:p>
             <a:pPr marL="457200" lvl="0" indent="-323850" algn="l" rtl="0">
@@ -26907,10 +27055,74 @@
               <a:buAutoNum type="arabicPeriod"/>
             </a:pPr>
             <a:r>
-              <a:rPr lang="en-US" sz="2170"/>
-              <a:t>Incremento en las ganancias sl proyectar mejor las ventas estimadas y ajustar los presupuestos</a:t>
-            </a:r>
-            <a:endParaRPr/>
+              <a:rPr lang="en-US" sz="2170" dirty="0" err="1"/>
+              <a:t>Incremento</a:t>
+            </a:r>
+            <a:r>
+              <a:rPr lang="en-US" sz="2170" dirty="0"/>
+              <a:t> </a:t>
+            </a:r>
+            <a:r>
+              <a:rPr lang="en-US" sz="2170" dirty="0" err="1"/>
+              <a:t>en</a:t>
+            </a:r>
+            <a:r>
+              <a:rPr lang="en-US" sz="2170" dirty="0"/>
+              <a:t> las </a:t>
+            </a:r>
+            <a:r>
+              <a:rPr lang="en-US" sz="2170" dirty="0" err="1"/>
+              <a:t>ganancias</a:t>
+            </a:r>
+            <a:r>
+              <a:rPr lang="en-US" sz="2170" dirty="0"/>
+              <a:t> al </a:t>
+            </a:r>
+            <a:r>
+              <a:rPr lang="en-US" sz="2170" dirty="0" err="1"/>
+              <a:t>proyectar</a:t>
+            </a:r>
+            <a:r>
+              <a:rPr lang="en-US" sz="2170" dirty="0"/>
+              <a:t> </a:t>
+            </a:r>
+            <a:r>
+              <a:rPr lang="en-US" sz="2170" dirty="0" err="1"/>
+              <a:t>mejor</a:t>
+            </a:r>
+            <a:r>
+              <a:rPr lang="en-US" sz="2170" dirty="0"/>
+              <a:t> las </a:t>
+            </a:r>
+            <a:r>
+              <a:rPr lang="en-US" sz="2170" dirty="0" err="1"/>
+              <a:t>ventas</a:t>
+            </a:r>
+            <a:r>
+              <a:rPr lang="en-US" sz="2170" dirty="0"/>
+              <a:t> </a:t>
+            </a:r>
+            <a:r>
+              <a:rPr lang="en-US" sz="2170" dirty="0" err="1"/>
+              <a:t>estimadas</a:t>
+            </a:r>
+            <a:r>
+              <a:rPr lang="en-US" sz="2170" dirty="0"/>
+              <a:t> y </a:t>
+            </a:r>
+            <a:r>
+              <a:rPr lang="en-US" sz="2170" dirty="0" err="1"/>
+              <a:t>ajustar</a:t>
+            </a:r>
+            <a:r>
+              <a:rPr lang="en-US" sz="2170" dirty="0"/>
+              <a:t> los </a:t>
+            </a:r>
+            <a:r>
+              <a:rPr lang="en-US" sz="2170" dirty="0" err="1"/>
+              <a:t>presupuestos</a:t>
+            </a:r>
+            <a:endParaRPr dirty="0"/>
           </a:p>
         </p:txBody>
       </p:sp>
@@ -27854,7 +28066,7 @@
                         <a:buNone/>
                       </a:pPr>
                       <a:r>
-                        <a:rPr lang="en-US" sz="1800">
+                        <a:rPr lang="en-US" sz="1800" dirty="0" err="1">
                           <a:solidFill>
                             <a:schemeClr val="dk1"/>
                           </a:solidFill>
@@ -27865,7 +28077,7 @@
                         </a:rPr>
                         <a:t>InvoiceNo</a:t>
                       </a:r>
-                      <a:endParaRPr sz="1800">
+                      <a:endParaRPr sz="1800" dirty="0">
                         <a:solidFill>
                           <a:schemeClr val="dk1"/>
                         </a:solidFill>
@@ -27893,10 +28105,46 @@
                         <a:buNone/>
                       </a:pPr>
                       <a:r>
-                        <a:rPr lang="en-US" sz="1800"/>
-                        <a:t>Número de factura Nominal; Si comienza con 'c' indica una cancelación.</a:t>
+                        <a:rPr lang="en-US" sz="1800" dirty="0" err="1"/>
+                        <a:t>Número</a:t>
                       </a:r>
-                      <a:endParaRPr/>
+                      <a:r>
+                        <a:rPr lang="en-US" sz="1800" dirty="0"/>
+                        <a:t> de </a:t>
+                      </a:r>
+                      <a:r>
+                        <a:rPr lang="en-US" sz="1800" dirty="0" err="1"/>
+                        <a:t>factura</a:t>
+                      </a:r>
+                      <a:r>
+                        <a:rPr lang="en-US" sz="1800" dirty="0"/>
+                        <a:t> Nominal; Si </a:t>
+                      </a:r>
+                      <a:r>
+                        <a:rPr lang="en-US" sz="1800" dirty="0" err="1"/>
+                        <a:t>comienza</a:t>
+                      </a:r>
+                      <a:r>
+                        <a:rPr lang="en-US" sz="1800" dirty="0"/>
+                        <a:t> con 'c' </a:t>
+                      </a:r>
+                      <a:r>
+                        <a:rPr lang="en-US" sz="1800" dirty="0" err="1"/>
+                        <a:t>indica</a:t>
+                      </a:r>
+                      <a:r>
+                        <a:rPr lang="en-US" sz="1800" dirty="0"/>
+                        <a:t> una </a:t>
+                      </a:r>
+                      <a:r>
+                        <a:rPr lang="en-US" sz="1800" dirty="0" err="1"/>
+                        <a:t>cancelación</a:t>
+                      </a:r>
+                      <a:r>
+                        <a:rPr lang="en-US" sz="1800" dirty="0"/>
+                        <a:t>.</a:t>
+                      </a:r>
+                      <a:endParaRPr dirty="0"/>
                     </a:p>
                   </a:txBody>
                   <a:tcPr marL="91450" marR="91450" marT="45725" marB="45725"/>
